--- a/Matériel/Workshop - HTML.pptx
+++ b/Matériel/Workshop - HTML.pptx
@@ -5,7 +5,7 @@
     <p:sldMasterId id="2147483648" r:id="rId1"/>
   </p:sldMasterIdLst>
   <p:notesMasterIdLst>
-    <p:notesMasterId r:id="rId28"/>
+    <p:notesMasterId r:id="rId20"/>
   </p:notesMasterIdLst>
   <p:sldIdLst>
     <p:sldId id="256" r:id="rId2"/>
@@ -24,16 +24,8 @@
     <p:sldId id="272" r:id="rId15"/>
     <p:sldId id="273" r:id="rId16"/>
     <p:sldId id="282" r:id="rId17"/>
-    <p:sldId id="270" r:id="rId18"/>
-    <p:sldId id="261" r:id="rId19"/>
-    <p:sldId id="274" r:id="rId20"/>
-    <p:sldId id="275" r:id="rId21"/>
-    <p:sldId id="276" r:id="rId22"/>
-    <p:sldId id="277" r:id="rId23"/>
-    <p:sldId id="278" r:id="rId24"/>
-    <p:sldId id="279" r:id="rId25"/>
-    <p:sldId id="281" r:id="rId26"/>
-    <p:sldId id="280" r:id="rId27"/>
+    <p:sldId id="261" r:id="rId18"/>
+    <p:sldId id="280" r:id="rId19"/>
   </p:sldIdLst>
   <p:sldSz cx="12192000" cy="6858000"/>
   <p:notesSz cx="6858000" cy="9144000"/>
@@ -234,7 +226,7 @@
           <a:p>
             <a:fld id="{8F066ED5-765A-3E45-B5D1-2C5CD3BB7908}" type="datetimeFigureOut">
               <a:rPr lang="en-US" smtClean="0"/>
-              <a:t>6/5/18</a:t>
+              <a:t>6/10/18</a:t>
             </a:fld>
             <a:endParaRPr lang="en-US"/>
           </a:p>
@@ -732,7 +724,7 @@
           <a:p>
             <a:fld id="{63C93C4C-35C1-3D48-89C5-7226BF7A9213}" type="datetimeFigureOut">
               <a:rPr lang="en-US" smtClean="0"/>
-              <a:t>6/5/18</a:t>
+              <a:t>6/10/18</a:t>
             </a:fld>
             <a:endParaRPr lang="en-US"/>
           </a:p>
@@ -930,7 +922,7 @@
           <a:p>
             <a:fld id="{63C93C4C-35C1-3D48-89C5-7226BF7A9213}" type="datetimeFigureOut">
               <a:rPr lang="en-US" smtClean="0"/>
-              <a:t>6/5/18</a:t>
+              <a:t>6/10/18</a:t>
             </a:fld>
             <a:endParaRPr lang="en-US"/>
           </a:p>
@@ -1138,7 +1130,7 @@
           <a:p>
             <a:fld id="{63C93C4C-35C1-3D48-89C5-7226BF7A9213}" type="datetimeFigureOut">
               <a:rPr lang="en-US" smtClean="0"/>
-              <a:t>6/5/18</a:t>
+              <a:t>6/10/18</a:t>
             </a:fld>
             <a:endParaRPr lang="en-US"/>
           </a:p>
@@ -1336,7 +1328,7 @@
           <a:p>
             <a:fld id="{63C93C4C-35C1-3D48-89C5-7226BF7A9213}" type="datetimeFigureOut">
               <a:rPr lang="en-US" smtClean="0"/>
-              <a:t>6/5/18</a:t>
+              <a:t>6/10/18</a:t>
             </a:fld>
             <a:endParaRPr lang="en-US"/>
           </a:p>
@@ -1611,7 +1603,7 @@
           <a:p>
             <a:fld id="{63C93C4C-35C1-3D48-89C5-7226BF7A9213}" type="datetimeFigureOut">
               <a:rPr lang="en-US" smtClean="0"/>
-              <a:t>6/5/18</a:t>
+              <a:t>6/10/18</a:t>
             </a:fld>
             <a:endParaRPr lang="en-US"/>
           </a:p>
@@ -1876,7 +1868,7 @@
           <a:p>
             <a:fld id="{63C93C4C-35C1-3D48-89C5-7226BF7A9213}" type="datetimeFigureOut">
               <a:rPr lang="en-US" smtClean="0"/>
-              <a:t>6/5/18</a:t>
+              <a:t>6/10/18</a:t>
             </a:fld>
             <a:endParaRPr lang="en-US"/>
           </a:p>
@@ -2288,7 +2280,7 @@
           <a:p>
             <a:fld id="{63C93C4C-35C1-3D48-89C5-7226BF7A9213}" type="datetimeFigureOut">
               <a:rPr lang="en-US" smtClean="0"/>
-              <a:t>6/5/18</a:t>
+              <a:t>6/10/18</a:t>
             </a:fld>
             <a:endParaRPr lang="en-US"/>
           </a:p>
@@ -2429,7 +2421,7 @@
           <a:p>
             <a:fld id="{63C93C4C-35C1-3D48-89C5-7226BF7A9213}" type="datetimeFigureOut">
               <a:rPr lang="en-US" smtClean="0"/>
-              <a:t>6/5/18</a:t>
+              <a:t>6/10/18</a:t>
             </a:fld>
             <a:endParaRPr lang="en-US"/>
           </a:p>
@@ -2542,7 +2534,7 @@
           <a:p>
             <a:fld id="{63C93C4C-35C1-3D48-89C5-7226BF7A9213}" type="datetimeFigureOut">
               <a:rPr lang="en-US" smtClean="0"/>
-              <a:t>6/5/18</a:t>
+              <a:t>6/10/18</a:t>
             </a:fld>
             <a:endParaRPr lang="en-US"/>
           </a:p>
@@ -2853,7 +2845,7 @@
           <a:p>
             <a:fld id="{63C93C4C-35C1-3D48-89C5-7226BF7A9213}" type="datetimeFigureOut">
               <a:rPr lang="en-US" smtClean="0"/>
-              <a:t>6/5/18</a:t>
+              <a:t>6/10/18</a:t>
             </a:fld>
             <a:endParaRPr lang="en-US"/>
           </a:p>
@@ -3141,7 +3133,7 @@
           <a:p>
             <a:fld id="{63C93C4C-35C1-3D48-89C5-7226BF7A9213}" type="datetimeFigureOut">
               <a:rPr lang="en-US" smtClean="0"/>
-              <a:t>6/5/18</a:t>
+              <a:t>6/10/18</a:t>
             </a:fld>
             <a:endParaRPr lang="en-US"/>
           </a:p>
@@ -3382,7 +3374,7 @@
           <a:p>
             <a:fld id="{63C93C4C-35C1-3D48-89C5-7226BF7A9213}" type="datetimeFigureOut">
               <a:rPr lang="en-US" smtClean="0"/>
-              <a:t>6/5/18</a:t>
+              <a:t>6/10/18</a:t>
             </a:fld>
             <a:endParaRPr lang="en-US"/>
           </a:p>
@@ -4548,13 +4540,13 @@
   <p:clrMapOvr>
     <a:overrideClrMapping bg1="dk1" tx1="lt1" bg2="dk2" tx2="lt2" accent1="accent1" accent2="accent2" accent3="accent3" accent4="accent4" accent5="accent5" accent6="accent6" hlink="hlink" folHlink="folHlink"/>
   </p:clrMapOvr>
-  <mc:AlternateContent xmlns:mc="http://schemas.openxmlformats.org/markup-compatibility/2006">
-    <mc:Choice xmlns:p159="http://schemas.microsoft.com/office/powerpoint/2015/09/main" Requires="p159">
+  <mc:AlternateContent xmlns:mc="http://schemas.openxmlformats.org/markup-compatibility/2006" xmlns:p159="http://schemas.microsoft.com/office/powerpoint/2015/09/main">
+    <mc:Choice Requires="p159">
       <p:transition xmlns:p14="http://schemas.microsoft.com/office/powerpoint/2010/main" spd="slow" p14:dur="2000">
         <p159:morph option="byObject"/>
       </p:transition>
     </mc:Choice>
-    <mc:Fallback>
+    <mc:Fallback xmlns="">
       <p:transition spd="slow">
         <p:fade/>
       </p:transition>
@@ -4689,12 +4681,12 @@
         <p:spPr>
           <a:xfrm>
             <a:off x="838200" y="1825625"/>
-            <a:ext cx="10515600" cy="4351338"/>
+            <a:ext cx="10515600" cy="3459607"/>
           </a:xfrm>
         </p:spPr>
         <p:txBody>
           <a:bodyPr>
-            <a:normAutofit lnSpcReduction="10000"/>
+            <a:normAutofit fontScale="92500" lnSpcReduction="10000"/>
           </a:bodyPr>
           <a:lstStyle/>
           <a:p>
@@ -4927,7 +4919,7 @@
             </a:r>
             <a:r>
               <a:rPr lang="en-US" sz="1800" dirty="0"/>
-              <a:t>	       </a:t>
+              <a:t>	                             </a:t>
             </a:r>
             <a:r>
               <a:rPr lang="en-US" sz="1800" dirty="0" err="1"/>
@@ -4965,40 +4957,6 @@
             <a:r>
               <a:rPr lang="en-US" sz="2000" dirty="0"/>
               <a:t> pour Windows)</a:t>
-            </a:r>
-          </a:p>
-          <a:p>
-            <a:r>
-              <a:rPr lang="en-US" dirty="0">
-                <a:latin typeface="Courier New" panose="02070309020205020404" pitchFamily="49" charset="0"/>
-                <a:cs typeface="Courier New" panose="02070309020205020404" pitchFamily="49" charset="0"/>
-              </a:rPr>
-              <a:t>&lt;figure&gt;</a:t>
-            </a:r>
-            <a:r>
-              <a:rPr lang="en-US" dirty="0"/>
-              <a:t>et</a:t>
-            </a:r>
-            <a:r>
-              <a:rPr lang="en-US" dirty="0">
-                <a:latin typeface="Courier New" panose="02070309020205020404" pitchFamily="49" charset="0"/>
-                <a:cs typeface="Courier New" panose="02070309020205020404" pitchFamily="49" charset="0"/>
-              </a:rPr>
-              <a:t>&lt;</a:t>
-            </a:r>
-            <a:r>
-              <a:rPr lang="en-US" dirty="0" err="1">
-                <a:latin typeface="Courier New" panose="02070309020205020404" pitchFamily="49" charset="0"/>
-                <a:cs typeface="Courier New" panose="02070309020205020404" pitchFamily="49" charset="0"/>
-              </a:rPr>
-              <a:t>figcaption</a:t>
-            </a:r>
-            <a:r>
-              <a:rPr lang="en-US" dirty="0">
-                <a:latin typeface="Courier New" panose="02070309020205020404" pitchFamily="49" charset="0"/>
-                <a:cs typeface="Courier New" panose="02070309020205020404" pitchFamily="49" charset="0"/>
-              </a:rPr>
-              <a:t>&gt;</a:t>
             </a:r>
             <a:br>
               <a:rPr lang="en-US" dirty="0"/>
@@ -5057,7 +5015,7 @@
         </p:nvSpPr>
         <p:spPr>
           <a:xfrm>
-            <a:off x="1244598" y="3921655"/>
+            <a:off x="1244598" y="3593265"/>
             <a:ext cx="2700868" cy="484632"/>
           </a:xfrm>
           <a:prstGeom prst="homePlate">
@@ -5122,7 +5080,7 @@
         </p:nvSpPr>
         <p:spPr>
           <a:xfrm>
-            <a:off x="3945466" y="3921655"/>
+            <a:off x="3945466" y="3592367"/>
             <a:ext cx="3217333" cy="484632"/>
           </a:xfrm>
           <a:prstGeom prst="chevron">
@@ -5212,7 +5170,7 @@
         </p:nvSpPr>
         <p:spPr>
           <a:xfrm>
-            <a:off x="7162799" y="3892816"/>
+            <a:off x="7052732" y="3592367"/>
             <a:ext cx="3217333" cy="484632"/>
           </a:xfrm>
           <a:prstGeom prst="chevron">
@@ -5300,8 +5258,38 @@
         </p:blipFill>
         <p:spPr>
           <a:xfrm>
-            <a:off x="1441194" y="4780672"/>
+            <a:off x="1403063" y="4506188"/>
             <a:ext cx="333193" cy="333193"/>
+          </a:xfrm>
+          <a:prstGeom prst="rect">
+            <a:avLst/>
+          </a:prstGeom>
+        </p:spPr>
+      </p:pic>
+      <p:pic>
+        <p:nvPicPr>
+          <p:cNvPr id="5" name="Picture 4">
+            <a:extLst>
+              <a:ext uri="{FF2B5EF4-FFF2-40B4-BE49-F238E27FC236}">
+                <a16:creationId xmlns:a16="http://schemas.microsoft.com/office/drawing/2014/main" id="{99A6086F-79A8-154C-A0B0-61874D20EE37}"/>
+              </a:ext>
+            </a:extLst>
+          </p:cNvPr>
+          <p:cNvPicPr>
+            <a:picLocks noChangeAspect="1"/>
+          </p:cNvPicPr>
+          <p:nvPr/>
+        </p:nvPicPr>
+        <p:blipFill>
+          <a:blip r:embed="rId7"/>
+          <a:stretch>
+            <a:fillRect/>
+          </a:stretch>
+        </p:blipFill>
+        <p:spPr>
+          <a:xfrm>
+            <a:off x="1813615" y="5119080"/>
+            <a:ext cx="7845101" cy="1143000"/>
           </a:xfrm>
           <a:prstGeom prst="rect">
             <a:avLst/>
@@ -5318,13 +5306,13 @@
   <p:clrMapOvr>
     <a:masterClrMapping/>
   </p:clrMapOvr>
-  <mc:AlternateContent xmlns:mc="http://schemas.openxmlformats.org/markup-compatibility/2006">
-    <mc:Choice xmlns:p159="http://schemas.microsoft.com/office/powerpoint/2015/09/main" Requires="p159">
+  <mc:AlternateContent xmlns:mc="http://schemas.openxmlformats.org/markup-compatibility/2006" xmlns:p159="http://schemas.microsoft.com/office/powerpoint/2015/09/main">
+    <mc:Choice Requires="p159">
       <p:transition xmlns:p14="http://schemas.microsoft.com/office/powerpoint/2010/main" spd="slow" p14:dur="2000">
         <p159:morph option="byObject"/>
       </p:transition>
     </mc:Choice>
-    <mc:Fallback>
+    <mc:Fallback xmlns="">
       <p:transition spd="slow">
         <p:fade/>
       </p:transition>
@@ -5697,13 +5685,13 @@
   <p:clrMapOvr>
     <a:masterClrMapping/>
   </p:clrMapOvr>
-  <mc:AlternateContent xmlns:mc="http://schemas.openxmlformats.org/markup-compatibility/2006">
-    <mc:Choice xmlns:p159="http://schemas.microsoft.com/office/powerpoint/2015/09/main" Requires="p159">
+  <mc:AlternateContent xmlns:mc="http://schemas.openxmlformats.org/markup-compatibility/2006" xmlns:p159="http://schemas.microsoft.com/office/powerpoint/2015/09/main">
+    <mc:Choice Requires="p159">
       <p:transition xmlns:p14="http://schemas.microsoft.com/office/powerpoint/2010/main" spd="slow" p14:dur="2000">
         <p159:morph option="byObject"/>
       </p:transition>
     </mc:Choice>
-    <mc:Fallback>
+    <mc:Fallback xmlns="">
       <p:transition spd="slow">
         <p:fade/>
       </p:transition>
@@ -6341,13 +6329,13 @@
   <p:clrMapOvr>
     <a:masterClrMapping/>
   </p:clrMapOvr>
-  <mc:AlternateContent xmlns:mc="http://schemas.openxmlformats.org/markup-compatibility/2006">
-    <mc:Choice xmlns:p159="http://schemas.microsoft.com/office/powerpoint/2015/09/main" Requires="p159">
+  <mc:AlternateContent xmlns:mc="http://schemas.openxmlformats.org/markup-compatibility/2006" xmlns:p159="http://schemas.microsoft.com/office/powerpoint/2015/09/main">
+    <mc:Choice Requires="p159">
       <p:transition xmlns:p14="http://schemas.microsoft.com/office/powerpoint/2010/main" spd="slow" p14:dur="2000">
         <p159:morph option="byObject"/>
       </p:transition>
     </mc:Choice>
-    <mc:Fallback>
+    <mc:Fallback xmlns="">
       <p:transition spd="slow">
         <p:fade/>
       </p:transition>
@@ -7541,13 +7529,13 @@
   <p:clrMapOvr>
     <a:masterClrMapping/>
   </p:clrMapOvr>
-  <mc:AlternateContent xmlns:mc="http://schemas.openxmlformats.org/markup-compatibility/2006">
-    <mc:Choice xmlns:p159="http://schemas.microsoft.com/office/powerpoint/2015/09/main" Requires="p159">
+  <mc:AlternateContent xmlns:mc="http://schemas.openxmlformats.org/markup-compatibility/2006" xmlns:p159="http://schemas.microsoft.com/office/powerpoint/2015/09/main">
+    <mc:Choice Requires="p159">
       <p:transition xmlns:p14="http://schemas.microsoft.com/office/powerpoint/2010/main" spd="slow" p14:dur="2000">
         <p159:morph option="byObject"/>
       </p:transition>
     </mc:Choice>
-    <mc:Fallback>
+    <mc:Fallback xmlns="">
       <p:transition spd="slow">
         <p:fade/>
       </p:transition>
@@ -7893,67 +7881,45 @@
         </p:nvSpPr>
         <p:spPr>
           <a:xfrm>
-            <a:off x="148851" y="1388533"/>
-            <a:ext cx="11894298" cy="5276227"/>
+            <a:off x="838200" y="1388533"/>
+            <a:ext cx="3591802" cy="5276227"/>
           </a:xfrm>
         </p:spPr>
         <p:txBody>
           <a:bodyPr>
-            <a:normAutofit fontScale="92500" lnSpcReduction="10000"/>
+            <a:normAutofit/>
           </a:bodyPr>
           <a:lstStyle/>
           <a:p>
             <a:r>
-              <a:rPr lang="en-US" b="1" dirty="0" err="1"/>
+              <a:rPr lang="en-US" sz="2400" b="1" dirty="0" err="1"/>
               <a:t>Infos</a:t>
             </a:r>
             <a:r>
-              <a:rPr lang="en-US" b="1" dirty="0"/>
+              <a:rPr lang="en-US" sz="2400" b="1" dirty="0"/>
               <a:t> </a:t>
             </a:r>
             <a:r>
-              <a:rPr lang="en-US" b="1" dirty="0" err="1"/>
+              <a:rPr lang="en-US" sz="2400" b="1" dirty="0" err="1"/>
               <a:t>utilisées</a:t>
             </a:r>
             <a:r>
-              <a:rPr lang="en-US" b="1" dirty="0"/>
+              <a:rPr lang="en-US" sz="2400" b="1" dirty="0"/>
               <a:t> par les </a:t>
             </a:r>
             <a:r>
-              <a:rPr lang="en-US" b="1" dirty="0" err="1"/>
+              <a:rPr lang="en-US" sz="2400" b="1" dirty="0" err="1"/>
               <a:t>moteurs</a:t>
             </a:r>
             <a:r>
-              <a:rPr lang="en-US" b="1" dirty="0"/>
+              <a:rPr lang="en-US" sz="2400" b="1" dirty="0"/>
               <a:t> de recherche</a:t>
             </a:r>
           </a:p>
           <a:p>
             <a:r>
-              <a:rPr lang="en-US" sz="2600" dirty="0">
-                <a:solidFill>
-                  <a:srgbClr val="DE621B"/>
-                </a:solidFill>
-                <a:latin typeface="Courier New" panose="02070309020205020404" pitchFamily="49" charset="0"/>
-                <a:cs typeface="Courier New" panose="02070309020205020404" pitchFamily="49" charset="0"/>
-              </a:rPr>
-              <a:t>&lt;meta charset="UTF-8"&gt;</a:t>
-            </a:r>
-          </a:p>
-          <a:p>
-            <a:r>
               <a:rPr lang="en-US" sz="2600" dirty="0"/>
-              <a:t>Nom + Description: </a:t>
-            </a:r>
-            <a:r>
-              <a:rPr lang="en-US" sz="2000" dirty="0">
-                <a:solidFill>
-                  <a:srgbClr val="DE621B"/>
-                </a:solidFill>
-                <a:latin typeface="Courier New" panose="02070309020205020404" pitchFamily="49" charset="0"/>
-                <a:cs typeface="Courier New" panose="02070309020205020404" pitchFamily="49" charset="0"/>
-              </a:rPr>
-              <a:t>&lt;meta name="description" content="…" /&gt;</a:t>
+              <a:t>Nom + Description</a:t>
             </a:r>
           </a:p>
           <a:p>
@@ -7969,36 +7935,6 @@
               <a:rPr lang="en-US" sz="2600" dirty="0"/>
               <a:t> </a:t>
             </a:r>
-            <a:r>
-              <a:rPr lang="en-US" sz="2000" dirty="0">
-                <a:solidFill>
-                  <a:srgbClr val="DE621B"/>
-                </a:solidFill>
-                <a:latin typeface="Courier New" panose="02070309020205020404" pitchFamily="49" charset="0"/>
-                <a:cs typeface="Courier New" panose="02070309020205020404" pitchFamily="49" charset="0"/>
-              </a:rPr>
-              <a:t>&lt;meta name="</a:t>
-            </a:r>
-            <a:r>
-              <a:rPr lang="en-US" sz="2000" dirty="0" err="1">
-                <a:solidFill>
-                  <a:srgbClr val="DE621B"/>
-                </a:solidFill>
-                <a:latin typeface="Courier New" panose="02070309020205020404" pitchFamily="49" charset="0"/>
-                <a:cs typeface="Courier New" panose="02070309020205020404" pitchFamily="49" charset="0"/>
-              </a:rPr>
-              <a:t>news_keywords</a:t>
-            </a:r>
-            <a:r>
-              <a:rPr lang="en-US" sz="2000" dirty="0">
-                <a:solidFill>
-                  <a:srgbClr val="DE621B"/>
-                </a:solidFill>
-                <a:latin typeface="Courier New" panose="02070309020205020404" pitchFamily="49" charset="0"/>
-                <a:cs typeface="Courier New" panose="02070309020205020404" pitchFamily="49" charset="0"/>
-              </a:rPr>
-              <a:t>" content=”…, …"&gt;</a:t>
-            </a:r>
           </a:p>
           <a:p>
             <a:r>
@@ -8019,438 +7955,42 @@
             </a:r>
             <a:r>
               <a:rPr lang="en-US" sz="2600" dirty="0"/>
-              <a:t>): </a:t>
-            </a:r>
-            <a:r>
-              <a:rPr lang="en-US" sz="2000" dirty="0">
-                <a:solidFill>
-                  <a:srgbClr val="DE621B"/>
-                </a:solidFill>
-                <a:latin typeface="Courier New" panose="02070309020205020404" pitchFamily="49" charset="0"/>
-                <a:cs typeface="Courier New" panose="02070309020205020404" pitchFamily="49" charset="0"/>
-              </a:rPr>
-              <a:t>&lt;meta name="robots" content="..., ..."/&gt;</a:t>
-            </a:r>
-          </a:p>
-          <a:p>
-            <a:pPr lvl="1" fontAlgn="base"/>
-            <a:r>
-              <a:rPr lang="en-US" sz="2000" b="1" dirty="0" err="1"/>
-              <a:t>noindex</a:t>
-            </a:r>
-            <a:r>
-              <a:rPr lang="en-US" sz="2000" dirty="0"/>
-              <a:t> : </a:t>
-            </a:r>
-            <a:r>
-              <a:rPr lang="en-US" sz="2000" dirty="0" err="1"/>
-              <a:t>empêche</a:t>
-            </a:r>
-            <a:r>
-              <a:rPr lang="en-US" sz="2000" dirty="0"/>
-              <a:t> </a:t>
-            </a:r>
-            <a:r>
-              <a:rPr lang="en-US" sz="2000" dirty="0" err="1"/>
-              <a:t>l’indexation</a:t>
-            </a:r>
-            <a:r>
-              <a:rPr lang="en-US" sz="2000" dirty="0"/>
-              <a:t> de la page.</a:t>
-            </a:r>
-          </a:p>
-          <a:p>
-            <a:pPr lvl="1" fontAlgn="base"/>
-            <a:r>
-              <a:rPr lang="en-US" sz="2000" b="1" dirty="0" err="1"/>
+              <a:t>):</a:t>
+            </a:r>
+          </a:p>
+          <a:p>
+            <a:pPr lvl="1"/>
+            <a:r>
+              <a:rPr lang="en-US" sz="2200" dirty="0" err="1"/>
+              <a:t>Noindex</a:t>
+            </a:r>
+            <a:r>
+              <a:rPr lang="en-US" sz="2200" dirty="0"/>
+              <a:t>, </a:t>
+            </a:r>
+            <a:r>
+              <a:rPr lang="en-US" sz="2200" dirty="0" err="1"/>
               <a:t>nofollow</a:t>
             </a:r>
             <a:r>
-              <a:rPr lang="en-US" sz="2000" dirty="0"/>
-              <a:t> : </a:t>
-            </a:r>
-            <a:r>
-              <a:rPr lang="en-US" sz="2000" dirty="0" err="1"/>
-              <a:t>empêche</a:t>
-            </a:r>
-            <a:r>
-              <a:rPr lang="en-US" sz="2000" dirty="0"/>
-              <a:t> le robot de </a:t>
-            </a:r>
-            <a:r>
-              <a:rPr lang="en-US" sz="2000" dirty="0" err="1"/>
-              <a:t>suivre</a:t>
-            </a:r>
-            <a:r>
-              <a:rPr lang="en-US" sz="2000" dirty="0"/>
-              <a:t> les liens de </a:t>
-            </a:r>
-            <a:r>
-              <a:rPr lang="en-US" sz="2000" dirty="0" err="1"/>
-              <a:t>cette</a:t>
-            </a:r>
-            <a:r>
-              <a:rPr lang="en-US" sz="2000" dirty="0"/>
-              <a:t> page.</a:t>
-            </a:r>
-          </a:p>
-          <a:p>
-            <a:pPr lvl="1" fontAlgn="base"/>
-            <a:r>
-              <a:rPr lang="en-US" sz="2000" b="1" dirty="0" err="1"/>
-              <a:t>nosnippet</a:t>
-            </a:r>
-            <a:r>
-              <a:rPr lang="en-US" sz="2000" dirty="0"/>
-              <a:t> : </a:t>
-            </a:r>
-            <a:r>
-              <a:rPr lang="en-US" sz="2000" dirty="0" err="1"/>
-              <a:t>empêche</a:t>
-            </a:r>
-            <a:r>
-              <a:rPr lang="en-US" sz="2000" dirty="0"/>
-              <a:t> </a:t>
-            </a:r>
-            <a:r>
-              <a:rPr lang="en-US" sz="2000" dirty="0" err="1"/>
-              <a:t>l’affichage</a:t>
-            </a:r>
-            <a:r>
-              <a:rPr lang="en-US" sz="2000" dirty="0"/>
-              <a:t> d’un </a:t>
-            </a:r>
-            <a:r>
-              <a:rPr lang="en-US" sz="2000" dirty="0" err="1"/>
-              <a:t>extrait</a:t>
-            </a:r>
-            <a:r>
-              <a:rPr lang="en-US" sz="2000" dirty="0"/>
-              <a:t> </a:t>
-            </a:r>
-            <a:r>
-              <a:rPr lang="en-US" sz="2000" dirty="0" err="1"/>
-              <a:t>dans</a:t>
-            </a:r>
-            <a:r>
-              <a:rPr lang="en-US" sz="2000" dirty="0"/>
-              <a:t> les </a:t>
-            </a:r>
-            <a:r>
-              <a:rPr lang="en-US" sz="2000" dirty="0" err="1"/>
-              <a:t>résultats</a:t>
-            </a:r>
-            <a:r>
-              <a:rPr lang="en-US" sz="2000" dirty="0"/>
-              <a:t> de recherche.</a:t>
-            </a:r>
-          </a:p>
-          <a:p>
-            <a:pPr lvl="1" fontAlgn="base"/>
-            <a:r>
-              <a:rPr lang="en-US" sz="2000" b="1" dirty="0" err="1"/>
-              <a:t>noodp</a:t>
-            </a:r>
-            <a:r>
-              <a:rPr lang="en-US" sz="2000" dirty="0"/>
-              <a:t> : </a:t>
-            </a:r>
-            <a:r>
-              <a:rPr lang="en-US" sz="2000" dirty="0" err="1"/>
-              <a:t>empêche</a:t>
-            </a:r>
-            <a:r>
-              <a:rPr lang="en-US" sz="2000" dirty="0"/>
-              <a:t> </a:t>
-            </a:r>
-            <a:r>
-              <a:rPr lang="en-US" sz="2000" dirty="0" err="1"/>
-              <a:t>l’utilisation</a:t>
-            </a:r>
-            <a:r>
-              <a:rPr lang="en-US" sz="2000" dirty="0"/>
-              <a:t> </a:t>
-            </a:r>
-            <a:r>
-              <a:rPr lang="en-US" sz="2000" dirty="0" err="1"/>
-              <a:t>d’une</a:t>
-            </a:r>
-            <a:r>
-              <a:rPr lang="en-US" sz="2000" dirty="0"/>
-              <a:t> description de </a:t>
-            </a:r>
-            <a:r>
-              <a:rPr lang="en-US" sz="2000" dirty="0" err="1"/>
-              <a:t>remplacement</a:t>
-            </a:r>
-            <a:r>
-              <a:rPr lang="en-US" sz="2000" dirty="0"/>
-              <a:t> </a:t>
-            </a:r>
-            <a:r>
-              <a:rPr lang="en-US" sz="2000" dirty="0" err="1"/>
-              <a:t>tirée</a:t>
-            </a:r>
-            <a:r>
-              <a:rPr lang="en-US" sz="2000" dirty="0"/>
-              <a:t> des sites ODP/DMOZ.</a:t>
-            </a:r>
-          </a:p>
-          <a:p>
-            <a:pPr lvl="1" fontAlgn="base"/>
-            <a:r>
-              <a:rPr lang="en-US" sz="2000" b="1" dirty="0" err="1"/>
+              <a:rPr lang="en-US" sz="2200" dirty="0"/>
+              <a:t>, </a:t>
+            </a:r>
+            <a:r>
+              <a:rPr lang="en-US" sz="2200" dirty="0" err="1"/>
               <a:t>noarchive</a:t>
             </a:r>
             <a:r>
-              <a:rPr lang="en-US" sz="2000" dirty="0"/>
-              <a:t> : </a:t>
-            </a:r>
-            <a:r>
-              <a:rPr lang="en-US" sz="2000" dirty="0" err="1"/>
-              <a:t>empêche</a:t>
-            </a:r>
-            <a:r>
-              <a:rPr lang="en-US" sz="2000" dirty="0"/>
-              <a:t> Google </a:t>
-            </a:r>
-            <a:r>
-              <a:rPr lang="en-US" sz="2000" dirty="0" err="1"/>
-              <a:t>d’afficher</a:t>
-            </a:r>
-            <a:r>
-              <a:rPr lang="en-US" sz="2000" dirty="0"/>
-              <a:t> le lien « </a:t>
-            </a:r>
-            <a:r>
-              <a:rPr lang="en-US" sz="2000" dirty="0" err="1"/>
-              <a:t>En</a:t>
-            </a:r>
-            <a:r>
-              <a:rPr lang="en-US" sz="2000" dirty="0"/>
-              <a:t> cache » </a:t>
-            </a:r>
-            <a:r>
-              <a:rPr lang="en-US" sz="2000" dirty="0" err="1"/>
-              <a:t>associé</a:t>
-            </a:r>
-            <a:r>
-              <a:rPr lang="en-US" sz="2000" dirty="0"/>
-              <a:t> </a:t>
-            </a:r>
-            <a:r>
-              <a:rPr lang="en-US" sz="2000" dirty="0" err="1"/>
-              <a:t>à</a:t>
-            </a:r>
-            <a:r>
-              <a:rPr lang="en-US" sz="2000" dirty="0"/>
-              <a:t> </a:t>
-            </a:r>
-            <a:r>
-              <a:rPr lang="en-US" sz="2000" dirty="0" err="1"/>
-              <a:t>une</a:t>
-            </a:r>
-            <a:r>
-              <a:rPr lang="en-US" sz="2000" dirty="0"/>
-              <a:t> page.</a:t>
-            </a:r>
-          </a:p>
-          <a:p>
-            <a:pPr lvl="1" fontAlgn="base"/>
-            <a:r>
-              <a:rPr lang="en-US" sz="2000" b="1" dirty="0" err="1"/>
-              <a:t>unavailable_after</a:t>
-            </a:r>
-            <a:r>
-              <a:rPr lang="en-US" sz="2000" b="1" dirty="0"/>
-              <a:t>:[date]</a:t>
-            </a:r>
-            <a:r>
-              <a:rPr lang="en-US" sz="2000" dirty="0"/>
-              <a:t> : </a:t>
-            </a:r>
-            <a:r>
-              <a:rPr lang="en-US" sz="2000" dirty="0" err="1"/>
-              <a:t>permet</a:t>
-            </a:r>
-            <a:r>
-              <a:rPr lang="en-US" sz="2000" dirty="0"/>
-              <a:t> de </a:t>
-            </a:r>
-            <a:r>
-              <a:rPr lang="en-US" sz="2000" dirty="0" err="1"/>
-              <a:t>préciser</a:t>
-            </a:r>
-            <a:r>
-              <a:rPr lang="en-US" sz="2000" dirty="0"/>
-              <a:t> </a:t>
-            </a:r>
-            <a:r>
-              <a:rPr lang="en-US" sz="2000" dirty="0" err="1"/>
-              <a:t>l’heure</a:t>
-            </a:r>
-            <a:r>
-              <a:rPr lang="en-US" sz="2000" dirty="0"/>
-              <a:t> et la date </a:t>
-            </a:r>
-            <a:r>
-              <a:rPr lang="en-US" sz="2000" dirty="0" err="1"/>
-              <a:t>exactes</a:t>
-            </a:r>
-            <a:r>
-              <a:rPr lang="en-US" sz="2000" dirty="0"/>
-              <a:t> </a:t>
-            </a:r>
-            <a:r>
-              <a:rPr lang="en-US" sz="2000" dirty="0" err="1"/>
-              <a:t>auxquelles</a:t>
-            </a:r>
-            <a:r>
-              <a:rPr lang="en-US" sz="2000" dirty="0"/>
-              <a:t> </a:t>
-            </a:r>
-            <a:r>
-              <a:rPr lang="en-US" sz="2000" dirty="0" err="1"/>
-              <a:t>l’exploration</a:t>
-            </a:r>
-            <a:r>
-              <a:rPr lang="en-US" sz="2000" dirty="0"/>
-              <a:t> et </a:t>
-            </a:r>
-            <a:r>
-              <a:rPr lang="en-US" sz="2000" dirty="0" err="1"/>
-              <a:t>l’indexation</a:t>
-            </a:r>
-            <a:r>
-              <a:rPr lang="en-US" sz="2000" dirty="0"/>
-              <a:t> de </a:t>
-            </a:r>
-            <a:r>
-              <a:rPr lang="en-US" sz="2000" dirty="0" err="1"/>
-              <a:t>cette</a:t>
-            </a:r>
-            <a:r>
-              <a:rPr lang="en-US" sz="2000" dirty="0"/>
-              <a:t> page </a:t>
-            </a:r>
-            <a:r>
-              <a:rPr lang="en-US" sz="2000" dirty="0" err="1"/>
-              <a:t>doivent</a:t>
-            </a:r>
-            <a:r>
-              <a:rPr lang="en-US" sz="2000" dirty="0"/>
-              <a:t> </a:t>
-            </a:r>
-            <a:r>
-              <a:rPr lang="en-US" sz="2000" dirty="0" err="1"/>
-              <a:t>cesser</a:t>
-            </a:r>
-            <a:r>
-              <a:rPr lang="en-US" sz="2000" dirty="0"/>
-              <a:t>.</a:t>
-            </a:r>
-          </a:p>
-          <a:p>
-            <a:pPr lvl="1" fontAlgn="base"/>
-            <a:r>
-              <a:rPr lang="en-US" sz="2000" b="1" dirty="0" err="1"/>
-              <a:t>noimageindex</a:t>
-            </a:r>
-            <a:r>
-              <a:rPr lang="en-US" sz="2000" b="1" dirty="0"/>
-              <a:t> </a:t>
-            </a:r>
-            <a:r>
-              <a:rPr lang="en-US" sz="2000" dirty="0"/>
-              <a:t>: </a:t>
-            </a:r>
-            <a:r>
-              <a:rPr lang="en-US" sz="2000" dirty="0" err="1"/>
-              <a:t>permet</a:t>
-            </a:r>
-            <a:r>
-              <a:rPr lang="en-US" sz="2000" dirty="0"/>
-              <a:t> </a:t>
-            </a:r>
-            <a:r>
-              <a:rPr lang="en-US" sz="2000" dirty="0" err="1"/>
-              <a:t>d’indiquer</a:t>
-            </a:r>
-            <a:r>
-              <a:rPr lang="en-US" sz="2000" dirty="0"/>
-              <a:t> que </a:t>
-            </a:r>
-            <a:r>
-              <a:rPr lang="en-US" sz="2000" dirty="0" err="1"/>
-              <a:t>vous</a:t>
-            </a:r>
-            <a:r>
-              <a:rPr lang="en-US" sz="2000" dirty="0"/>
-              <a:t> ne </a:t>
-            </a:r>
-            <a:r>
-              <a:rPr lang="en-US" sz="2000" dirty="0" err="1"/>
-              <a:t>souhaitez</a:t>
-            </a:r>
-            <a:r>
-              <a:rPr lang="en-US" sz="2000" dirty="0"/>
-              <a:t> pas faire </a:t>
-            </a:r>
-            <a:r>
-              <a:rPr lang="en-US" sz="2000" dirty="0" err="1"/>
-              <a:t>apparaître</a:t>
-            </a:r>
-            <a:r>
-              <a:rPr lang="en-US" sz="2000" dirty="0"/>
-              <a:t> </a:t>
-            </a:r>
-            <a:r>
-              <a:rPr lang="en-US" sz="2000" dirty="0" err="1"/>
-              <a:t>votre</a:t>
-            </a:r>
-            <a:r>
-              <a:rPr lang="en-US" sz="2000" dirty="0"/>
-              <a:t> page </a:t>
-            </a:r>
-            <a:r>
-              <a:rPr lang="en-US" sz="2000" dirty="0" err="1"/>
-              <a:t>comme</a:t>
-            </a:r>
-            <a:r>
-              <a:rPr lang="en-US" sz="2000" dirty="0"/>
-              <a:t> source </a:t>
-            </a:r>
-            <a:r>
-              <a:rPr lang="en-US" sz="2000" dirty="0" err="1"/>
-              <a:t>d’une</a:t>
-            </a:r>
-            <a:r>
-              <a:rPr lang="en-US" sz="2000" dirty="0"/>
-              <a:t> image </a:t>
-            </a:r>
-            <a:r>
-              <a:rPr lang="en-US" sz="2000" dirty="0" err="1"/>
-              <a:t>apparaissant</a:t>
-            </a:r>
-            <a:r>
-              <a:rPr lang="en-US" sz="2000" dirty="0"/>
-              <a:t> </a:t>
-            </a:r>
-            <a:r>
-              <a:rPr lang="en-US" sz="2000" dirty="0" err="1"/>
-              <a:t>dans</a:t>
-            </a:r>
-            <a:r>
-              <a:rPr lang="en-US" sz="2000" dirty="0"/>
-              <a:t> les </a:t>
-            </a:r>
-            <a:r>
-              <a:rPr lang="en-US" sz="2000" dirty="0" err="1"/>
-              <a:t>résultats</a:t>
-            </a:r>
-            <a:r>
-              <a:rPr lang="en-US" sz="2000" dirty="0"/>
-              <a:t> de recherche Google.</a:t>
+              <a:rPr lang="en-US" sz="2200" dirty="0"/>
+              <a:t>, </a:t>
+            </a:r>
+            <a:r>
+              <a:rPr lang="en-US" sz="2200" dirty="0" err="1"/>
+              <a:t>unavalaible</a:t>
+            </a:r>
+            <a:r>
+              <a:rPr lang="en-US" sz="2200" dirty="0"/>
+              <a:t> after</a:t>
             </a:r>
           </a:p>
           <a:p>
@@ -8616,6 +8156,36 @@
           </a:p>
         </p:txBody>
       </p:sp>
+      <p:pic>
+        <p:nvPicPr>
+          <p:cNvPr id="6" name="Picture 5">
+            <a:extLst>
+              <a:ext uri="{FF2B5EF4-FFF2-40B4-BE49-F238E27FC236}">
+                <a16:creationId xmlns:a16="http://schemas.microsoft.com/office/drawing/2014/main" id="{FCC0E7B6-43DF-D446-9615-E287C0816924}"/>
+              </a:ext>
+            </a:extLst>
+          </p:cNvPr>
+          <p:cNvPicPr>
+            <a:picLocks noChangeAspect="1"/>
+          </p:cNvPicPr>
+          <p:nvPr/>
+        </p:nvPicPr>
+        <p:blipFill>
+          <a:blip r:embed="rId3"/>
+          <a:stretch>
+            <a:fillRect/>
+          </a:stretch>
+        </p:blipFill>
+        <p:spPr>
+          <a:xfrm>
+            <a:off x="4666385" y="2226618"/>
+            <a:ext cx="7264467" cy="2995930"/>
+          </a:xfrm>
+          <a:prstGeom prst="rect">
+            <a:avLst/>
+          </a:prstGeom>
+        </p:spPr>
+      </p:pic>
       <p:sp>
         <p:nvSpPr>
           <p:cNvPr id="11" name="Explosion 2 10">
@@ -8630,7 +8200,7 @@
         </p:nvSpPr>
         <p:spPr>
           <a:xfrm>
-            <a:off x="1524747" y="1686984"/>
+            <a:off x="1327876" y="1388532"/>
             <a:ext cx="9142505" cy="3928533"/>
           </a:xfrm>
           <a:prstGeom prst="irregularSeal2">
@@ -8703,13 +8273,13 @@
   <p:clrMapOvr>
     <a:masterClrMapping/>
   </p:clrMapOvr>
-  <mc:AlternateContent xmlns:mc="http://schemas.openxmlformats.org/markup-compatibility/2006">
-    <mc:Choice xmlns:p159="http://schemas.microsoft.com/office/powerpoint/2015/09/main" Requires="p159">
+  <mc:AlternateContent xmlns:mc="http://schemas.openxmlformats.org/markup-compatibility/2006" xmlns:p159="http://schemas.microsoft.com/office/powerpoint/2015/09/main">
+    <mc:Choice Requires="p159">
       <p:transition xmlns:p14="http://schemas.microsoft.com/office/powerpoint/2010/main" spd="slow" p14:dur="2000">
         <p159:morph option="byObject"/>
       </p:transition>
     </mc:Choice>
-    <mc:Fallback>
+    <mc:Fallback xmlns="">
       <p:transition spd="slow">
         <p:fade/>
       </p:transition>
@@ -8877,9 +8447,181 @@
         </p:nvSpPr>
         <p:spPr/>
         <p:txBody>
-          <a:bodyPr/>
+          <a:bodyPr>
+            <a:normAutofit/>
+          </a:bodyPr>
           <a:lstStyle/>
           <a:p>
+            <a:r>
+              <a:rPr lang="en-US" dirty="0">
+                <a:latin typeface="Courier New" panose="02070309020205020404" pitchFamily="49" charset="0"/>
+                <a:cs typeface="Courier New" panose="02070309020205020404" pitchFamily="49" charset="0"/>
+              </a:rPr>
+              <a:t>&lt;Video&gt;: </a:t>
+            </a:r>
+            <a:r>
+              <a:rPr lang="en-US" dirty="0"/>
+              <a:t>formats MP4, </a:t>
+            </a:r>
+            <a:r>
+              <a:rPr lang="en-US" dirty="0" err="1"/>
+              <a:t>WebM</a:t>
+            </a:r>
+            <a:r>
+              <a:rPr lang="en-US" dirty="0"/>
+              <a:t>, OGG</a:t>
+            </a:r>
+          </a:p>
+          <a:p>
+            <a:r>
+              <a:rPr lang="en-US" dirty="0">
+                <a:latin typeface="Courier New" panose="02070309020205020404" pitchFamily="49" charset="0"/>
+                <a:cs typeface="Courier New" panose="02070309020205020404" pitchFamily="49" charset="0"/>
+              </a:rPr>
+              <a:t>&lt;audio&gt;: </a:t>
+            </a:r>
+            <a:r>
+              <a:rPr lang="en-US" dirty="0"/>
+              <a:t>formats MP3, </a:t>
+            </a:r>
+            <a:r>
+              <a:rPr lang="en-US" dirty="0" err="1"/>
+              <a:t>Ogg</a:t>
+            </a:r>
+            <a:r>
+              <a:rPr lang="en-US" dirty="0"/>
+              <a:t>, Wav</a:t>
+            </a:r>
+          </a:p>
+          <a:p>
+            <a:r>
+              <a:rPr lang="en-US" dirty="0" err="1"/>
+              <a:t>Peuvent</a:t>
+            </a:r>
+            <a:r>
+              <a:rPr lang="en-US" dirty="0"/>
+              <a:t> </a:t>
+            </a:r>
+            <a:r>
+              <a:rPr lang="en-US" dirty="0" err="1"/>
+              <a:t>être</a:t>
+            </a:r>
+            <a:r>
+              <a:rPr lang="en-US" dirty="0"/>
+              <a:t> </a:t>
+            </a:r>
+            <a:r>
+              <a:rPr lang="en-US" dirty="0" err="1"/>
+              <a:t>utilisés</a:t>
+            </a:r>
+            <a:r>
+              <a:rPr lang="en-US" dirty="0"/>
+              <a:t> </a:t>
+            </a:r>
+            <a:r>
+              <a:rPr lang="en-US" dirty="0" err="1"/>
+              <a:t>seuls</a:t>
+            </a:r>
+            <a:r>
+              <a:rPr lang="en-US" dirty="0"/>
+              <a:t> </a:t>
+            </a:r>
+            <a:r>
+              <a:rPr lang="en-US" dirty="0" err="1"/>
+              <a:t>ou</a:t>
+            </a:r>
+            <a:r>
+              <a:rPr lang="en-US" dirty="0"/>
+              <a:t> avec </a:t>
+            </a:r>
+            <a:r>
+              <a:rPr lang="en-US" dirty="0">
+                <a:latin typeface="Courier New" panose="02070309020205020404" pitchFamily="49" charset="0"/>
+                <a:cs typeface="Courier New" panose="02070309020205020404" pitchFamily="49" charset="0"/>
+              </a:rPr>
+              <a:t>&lt;source&gt;</a:t>
+            </a:r>
+            <a:r>
+              <a:rPr lang="en-US" dirty="0"/>
+              <a:t>.</a:t>
+            </a:r>
+          </a:p>
+          <a:p>
+            <a:r>
+              <a:rPr lang="en-US" dirty="0" err="1"/>
+              <a:t>Evidemment</a:t>
+            </a:r>
+            <a:r>
+              <a:rPr lang="en-US" dirty="0"/>
+              <a:t> </a:t>
+            </a:r>
+            <a:r>
+              <a:rPr lang="en-US" dirty="0" err="1"/>
+              <a:t>ajout</a:t>
+            </a:r>
+            <a:r>
+              <a:rPr lang="en-US" dirty="0"/>
+              <a:t> de </a:t>
+            </a:r>
+            <a:r>
+              <a:rPr lang="en-US" dirty="0" err="1"/>
+              <a:t>l’url</a:t>
+            </a:r>
+            <a:r>
+              <a:rPr lang="en-US" dirty="0"/>
+              <a:t> via le </a:t>
+            </a:r>
+            <a:r>
+              <a:rPr lang="en-US" dirty="0" err="1">
+                <a:latin typeface="Courier New" panose="02070309020205020404" pitchFamily="49" charset="0"/>
+                <a:cs typeface="Courier New" panose="02070309020205020404" pitchFamily="49" charset="0"/>
+              </a:rPr>
+              <a:t>src</a:t>
+            </a:r>
+            <a:r>
+              <a:rPr lang="en-US" dirty="0"/>
+              <a:t>. </a:t>
+            </a:r>
+          </a:p>
+          <a:p>
+            <a:r>
+              <a:rPr lang="en-US" dirty="0"/>
+              <a:t>MAIS </a:t>
+            </a:r>
+            <a:r>
+              <a:rPr lang="en-US" dirty="0" err="1"/>
+              <a:t>plateformes</a:t>
+            </a:r>
+            <a:r>
+              <a:rPr lang="en-US" dirty="0"/>
+              <a:t> videos et audios! </a:t>
+            </a:r>
+            <a:r>
+              <a:rPr lang="en-US" dirty="0">
+                <a:latin typeface="Courier New" panose="02070309020205020404" pitchFamily="49" charset="0"/>
+                <a:cs typeface="Courier New" panose="02070309020205020404" pitchFamily="49" charset="0"/>
+              </a:rPr>
+              <a:t>&lt;</a:t>
+            </a:r>
+            <a:r>
+              <a:rPr lang="en-US" dirty="0" err="1">
+                <a:latin typeface="Courier New" panose="02070309020205020404" pitchFamily="49" charset="0"/>
+                <a:cs typeface="Courier New" panose="02070309020205020404" pitchFamily="49" charset="0"/>
+              </a:rPr>
+              <a:t>iframe</a:t>
+            </a:r>
+            <a:r>
+              <a:rPr lang="en-US" dirty="0">
+                <a:latin typeface="Courier New" panose="02070309020205020404" pitchFamily="49" charset="0"/>
+                <a:cs typeface="Courier New" panose="02070309020205020404" pitchFamily="49" charset="0"/>
+              </a:rPr>
+              <a:t>&gt;</a:t>
+            </a:r>
+          </a:p>
+          <a:p>
+            <a:pPr marL="0" indent="0">
+              <a:buNone/>
+            </a:pPr>
             <a:endParaRPr lang="en-US" dirty="0"/>
           </a:p>
         </p:txBody>
@@ -8995,6 +8737,36 @@
           </a:p>
         </p:txBody>
       </p:sp>
+      <p:pic>
+        <p:nvPicPr>
+          <p:cNvPr id="8" name="Picture 7">
+            <a:extLst>
+              <a:ext uri="{FF2B5EF4-FFF2-40B4-BE49-F238E27FC236}">
+                <a16:creationId xmlns:a16="http://schemas.microsoft.com/office/drawing/2014/main" id="{BC255A43-29E6-C746-913D-3261569EB6AE}"/>
+              </a:ext>
+            </a:extLst>
+          </p:cNvPr>
+          <p:cNvPicPr>
+            <a:picLocks noChangeAspect="1"/>
+          </p:cNvPicPr>
+          <p:nvPr/>
+        </p:nvPicPr>
+        <p:blipFill>
+          <a:blip r:embed="rId3"/>
+          <a:stretch>
+            <a:fillRect/>
+          </a:stretch>
+        </p:blipFill>
+        <p:spPr>
+          <a:xfrm>
+            <a:off x="2825750" y="4411663"/>
+            <a:ext cx="6540500" cy="1765300"/>
+          </a:xfrm>
+          <a:prstGeom prst="rect">
+            <a:avLst/>
+          </a:prstGeom>
+        </p:spPr>
+      </p:pic>
     </p:spTree>
     <p:extLst>
       <p:ext uri="{BB962C8B-B14F-4D97-AF65-F5344CB8AC3E}">
@@ -9005,13 +8777,13 @@
   <p:clrMapOvr>
     <a:masterClrMapping/>
   </p:clrMapOvr>
-  <mc:AlternateContent xmlns:mc="http://schemas.openxmlformats.org/markup-compatibility/2006">
-    <mc:Choice xmlns:p159="http://schemas.microsoft.com/office/powerpoint/2015/09/main" Requires="p159">
+  <mc:AlternateContent xmlns:mc="http://schemas.openxmlformats.org/markup-compatibility/2006" xmlns:p159="http://schemas.microsoft.com/office/powerpoint/2015/09/main">
+    <mc:Choice Requires="p159">
       <p:transition xmlns:p14="http://schemas.microsoft.com/office/powerpoint/2010/main" spd="slow" p14:dur="2000">
         <p159:morph option="byObject"/>
       </p:transition>
     </mc:Choice>
-    <mc:Fallback>
+    <mc:Fallback xmlns="">
       <p:transition spd="slow">
         <p:fade/>
       </p:transition>
@@ -9226,13 +8998,13 @@
   <p:clrMapOvr>
     <a:masterClrMapping/>
   </p:clrMapOvr>
-  <mc:AlternateContent xmlns:mc="http://schemas.openxmlformats.org/markup-compatibility/2006">
-    <mc:Choice xmlns:p159="http://schemas.microsoft.com/office/powerpoint/2015/09/main" Requires="p159">
+  <mc:AlternateContent xmlns:mc="http://schemas.openxmlformats.org/markup-compatibility/2006" xmlns:p159="http://schemas.microsoft.com/office/powerpoint/2015/09/main">
+    <mc:Choice Requires="p159">
       <p:transition xmlns:p14="http://schemas.microsoft.com/office/powerpoint/2010/main" spd="slow" p14:dur="2000">
         <p159:morph option="byObject"/>
       </p:transition>
     </mc:Choice>
-    <mc:Fallback>
+    <mc:Fallback xmlns="">
       <p:transition spd="slow">
         <p:fade/>
       </p:transition>
@@ -9244,6 +9016,14 @@
 <file path=ppt/slides/slide17.xml><?xml version="1.0" encoding="utf-8"?>
 <p:sld xmlns:a="http://schemas.openxmlformats.org/drawingml/2006/main" xmlns:r="http://schemas.openxmlformats.org/officeDocument/2006/relationships" xmlns:p="http://schemas.openxmlformats.org/presentationml/2006/main">
   <p:cSld>
+    <p:bg>
+      <p:bgPr>
+        <a:solidFill>
+          <a:schemeClr val="bg1"/>
+        </a:solidFill>
+        <a:effectLst/>
+      </p:bgPr>
+    </p:bg>
     <p:spTree>
       <p:nvGrpSpPr>
         <p:cNvPr id="1" name=""/>
@@ -9258,12 +9038,669 @@
           <a:chExt cx="0" cy="0"/>
         </a:xfrm>
       </p:grpSpPr>
+      <p:sp>
+        <p:nvSpPr>
+          <p:cNvPr id="12" name="Rectangle: Top Corners Rounded 11">
+            <a:extLst>
+              <a:ext uri="{FF2B5EF4-FFF2-40B4-BE49-F238E27FC236}">
+                <a16:creationId xmlns:a16="http://schemas.microsoft.com/office/drawing/2014/main" id="{B1E3044D-AD17-4052-A453-8AA654EFAB6E}"/>
+              </a:ext>
+              <a:ext uri="{C183D7F6-B498-43B3-948B-1728B52AA6E4}">
+                <adec:decorative xmlns:adec="http://schemas.microsoft.com/office/drawing/2017/decorative" val="1"/>
+              </a:ext>
+            </a:extLst>
+          </p:cNvPr>
+          <p:cNvSpPr>
+            <a:spLocks noGrp="1" noRot="1" noChangeAspect="1" noMove="1" noResize="1" noEditPoints="1" noAdjustHandles="1" noChangeArrowheads="1" noChangeShapeType="1" noTextEdit="1"/>
+          </p:cNvSpPr>
+          <p:nvPr>
+            <p:extLst>
+              <p:ext uri="{386F3935-93C4-4BCD-93E2-E3B085C9AB24}">
+                <p16:designElem xmlns:p16="http://schemas.microsoft.com/office/powerpoint/2015/main" val="1"/>
+              </p:ext>
+            </p:extLst>
+          </p:nvPr>
+        </p:nvSpPr>
+        <p:spPr>
+          <a:xfrm rot="16200000">
+            <a:off x="6797978" y="996722"/>
+            <a:ext cx="5923488" cy="4864556"/>
+          </a:xfrm>
+          <a:prstGeom prst="round2SameRect">
+            <a:avLst>
+              <a:gd name="adj1" fmla="val 3762"/>
+              <a:gd name="adj2" fmla="val 0"/>
+            </a:avLst>
+          </a:prstGeom>
+          <a:solidFill>
+            <a:srgbClr val="404040"/>
+          </a:solidFill>
+          <a:ln>
+            <a:noFill/>
+          </a:ln>
+        </p:spPr>
+        <p:style>
+          <a:lnRef idx="2">
+            <a:schemeClr val="accent1">
+              <a:shade val="50000"/>
+            </a:schemeClr>
+          </a:lnRef>
+          <a:fillRef idx="1">
+            <a:schemeClr val="accent1"/>
+          </a:fillRef>
+          <a:effectRef idx="0">
+            <a:schemeClr val="accent1"/>
+          </a:effectRef>
+          <a:fontRef idx="minor">
+            <a:schemeClr val="lt1"/>
+          </a:fontRef>
+        </p:style>
+        <p:txBody>
+          <a:bodyPr rtlCol="0" anchor="ctr"/>
+          <a:lstStyle/>
+          <a:p>
+            <a:pPr marL="0" marR="0" lvl="0" indent="0" algn="ctr" defTabSz="914400" rtl="0" eaLnBrk="1" fontAlgn="auto" latinLnBrk="0" hangingPunct="1">
+              <a:lnSpc>
+                <a:spcPct val="100000"/>
+              </a:lnSpc>
+              <a:spcBef>
+                <a:spcPts val="0"/>
+              </a:spcBef>
+              <a:spcAft>
+                <a:spcPts val="0"/>
+              </a:spcAft>
+              <a:buClrTx/>
+              <a:buSzTx/>
+              <a:buFontTx/>
+              <a:buNone/>
+              <a:tabLst/>
+              <a:defRPr/>
+            </a:pPr>
+            <a:endParaRPr kumimoji="0" lang="en-US" sz="1800" b="0" i="0" u="none" strike="noStrike" kern="1200" cap="none" spc="0" normalizeH="0" baseline="0" noProof="0">
+              <a:ln>
+                <a:noFill/>
+              </a:ln>
+              <a:solidFill>
+                <a:prstClr val="white"/>
+              </a:solidFill>
+              <a:effectLst/>
+              <a:uLnTx/>
+              <a:uFillTx/>
+              <a:latin typeface="Calibri" panose="020F0502020204030204"/>
+              <a:ea typeface="+mn-ea"/>
+              <a:cs typeface="+mn-cs"/>
+            </a:endParaRPr>
+          </a:p>
+        </p:txBody>
+      </p:sp>
+      <p:sp>
+        <p:nvSpPr>
+          <p:cNvPr id="14" name="Round Single Corner Rectangle 24">
+            <a:extLst>
+              <a:ext uri="{FF2B5EF4-FFF2-40B4-BE49-F238E27FC236}">
+                <a16:creationId xmlns:a16="http://schemas.microsoft.com/office/drawing/2014/main" id="{81289F98-975F-4EB2-9553-8E1A9946BA3F}"/>
+              </a:ext>
+              <a:ext uri="{C183D7F6-B498-43B3-948B-1728B52AA6E4}">
+                <adec:decorative xmlns:adec="http://schemas.microsoft.com/office/drawing/2017/decorative" val="1"/>
+              </a:ext>
+            </a:extLst>
+          </p:cNvPr>
+          <p:cNvSpPr>
+            <a:spLocks noGrp="1" noRot="1" noChangeAspect="1" noMove="1" noResize="1" noEditPoints="1" noAdjustHandles="1" noChangeArrowheads="1" noChangeShapeType="1" noTextEdit="1"/>
+          </p:cNvSpPr>
+          <p:nvPr>
+            <p:extLst>
+              <p:ext uri="{386F3935-93C4-4BCD-93E2-E3B085C9AB24}">
+                <p16:designElem xmlns:p16="http://schemas.microsoft.com/office/powerpoint/2015/main" val="1"/>
+              </p:ext>
+            </p:extLst>
+          </p:nvPr>
+        </p:nvSpPr>
+        <p:spPr>
+          <a:xfrm rot="16200000">
+            <a:off x="911284" y="635058"/>
+            <a:ext cx="2657864" cy="2657864"/>
+          </a:xfrm>
+          <a:prstGeom prst="round1Rect">
+            <a:avLst>
+              <a:gd name="adj" fmla="val 11295"/>
+            </a:avLst>
+          </a:prstGeom>
+          <a:solidFill>
+            <a:srgbClr val="FFFFFF"/>
+          </a:solidFill>
+          <a:ln w="57150">
+            <a:solidFill>
+              <a:srgbClr val="898989"/>
+            </a:solidFill>
+          </a:ln>
+        </p:spPr>
+        <p:style>
+          <a:lnRef idx="2">
+            <a:schemeClr val="accent1">
+              <a:shade val="50000"/>
+            </a:schemeClr>
+          </a:lnRef>
+          <a:fillRef idx="1">
+            <a:schemeClr val="accent1"/>
+          </a:fillRef>
+          <a:effectRef idx="0">
+            <a:schemeClr val="accent1"/>
+          </a:effectRef>
+          <a:fontRef idx="minor">
+            <a:schemeClr val="lt1"/>
+          </a:fontRef>
+        </p:style>
+        <p:txBody>
+          <a:bodyPr rot="0" spcFirstLastPara="0" vertOverflow="overflow" horzOverflow="overflow" vert="horz" wrap="square" lIns="91440" tIns="45720" rIns="91440" bIns="45720" numCol="1" spcCol="0" rtlCol="0" fromWordArt="0" anchor="ctr" anchorCtr="0" forceAA="0" compatLnSpc="1">
+            <a:prstTxWarp prst="textNoShape">
+              <a:avLst/>
+            </a:prstTxWarp>
+            <a:noAutofit/>
+          </a:bodyPr>
+          <a:lstStyle/>
+          <a:p>
+            <a:pPr marL="0" marR="0" lvl="0" indent="0" algn="ctr" defTabSz="914400" rtl="0" eaLnBrk="1" fontAlgn="auto" latinLnBrk="0" hangingPunct="1">
+              <a:lnSpc>
+                <a:spcPct val="100000"/>
+              </a:lnSpc>
+              <a:spcBef>
+                <a:spcPts val="0"/>
+              </a:spcBef>
+              <a:spcAft>
+                <a:spcPts val="0"/>
+              </a:spcAft>
+              <a:buClrTx/>
+              <a:buSzTx/>
+              <a:buFontTx/>
+              <a:buNone/>
+              <a:tabLst/>
+              <a:defRPr/>
+            </a:pPr>
+            <a:endParaRPr kumimoji="0" lang="en-US" sz="1800" b="0" i="0" u="none" strike="noStrike" kern="1200" cap="none" spc="0" normalizeH="0" baseline="0" noProof="0">
+              <a:ln>
+                <a:noFill/>
+              </a:ln>
+              <a:solidFill>
+                <a:prstClr val="white"/>
+              </a:solidFill>
+              <a:effectLst/>
+              <a:uLnTx/>
+              <a:uFillTx/>
+              <a:latin typeface="Calibri" panose="020F0502020204030204"/>
+              <a:ea typeface="+mn-ea"/>
+              <a:cs typeface="+mn-cs"/>
+            </a:endParaRPr>
+          </a:p>
+        </p:txBody>
+      </p:sp>
+      <p:pic>
+        <p:nvPicPr>
+          <p:cNvPr id="6" name="Graphic 5" descr="HeadWithGears">
+            <a:extLst>
+              <a:ext uri="{FF2B5EF4-FFF2-40B4-BE49-F238E27FC236}">
+                <a16:creationId xmlns:a16="http://schemas.microsoft.com/office/drawing/2014/main" id="{C42C0F8D-9BDE-0841-A417-C964E481CA5E}"/>
+              </a:ext>
+            </a:extLst>
+          </p:cNvPr>
+          <p:cNvPicPr>
+            <a:picLocks noChangeAspect="1"/>
+          </p:cNvPicPr>
+          <p:nvPr/>
+        </p:nvPicPr>
+        <p:blipFill>
+          <a:blip r:embed="rId2">
+            <a:extLst>
+              <a:ext uri="{96DAC541-7B7A-43D3-8B79-37D633B846F1}">
+                <asvg:svgBlip xmlns:asvg="http://schemas.microsoft.com/office/drawing/2016/SVG/main" r:embed="rId3"/>
+              </a:ext>
+            </a:extLst>
+          </a:blip>
+          <a:stretch>
+            <a:fillRect/>
+          </a:stretch>
+        </p:blipFill>
+        <p:spPr>
+          <a:xfrm>
+            <a:off x="1052598" y="776372"/>
+            <a:ext cx="2375236" cy="2375236"/>
+          </a:xfrm>
+          <a:prstGeom prst="rect">
+            <a:avLst/>
+          </a:prstGeom>
+        </p:spPr>
+      </p:pic>
+      <p:sp>
+        <p:nvSpPr>
+          <p:cNvPr id="16" name="Round Single Corner Rectangle 22">
+            <a:extLst>
+              <a:ext uri="{FF2B5EF4-FFF2-40B4-BE49-F238E27FC236}">
+                <a16:creationId xmlns:a16="http://schemas.microsoft.com/office/drawing/2014/main" id="{1F564BCF-97B6-4D86-94EE-DD1B587F2189}"/>
+              </a:ext>
+              <a:ext uri="{C183D7F6-B498-43B3-948B-1728B52AA6E4}">
+                <adec:decorative xmlns:adec="http://schemas.microsoft.com/office/drawing/2017/decorative" val="1"/>
+              </a:ext>
+            </a:extLst>
+          </p:cNvPr>
+          <p:cNvSpPr>
+            <a:spLocks noGrp="1" noRot="1" noChangeAspect="1" noMove="1" noResize="1" noEditPoints="1" noAdjustHandles="1" noChangeArrowheads="1" noChangeShapeType="1" noTextEdit="1"/>
+          </p:cNvSpPr>
+          <p:nvPr>
+            <p:extLst>
+              <p:ext uri="{386F3935-93C4-4BCD-93E2-E3B085C9AB24}">
+                <p16:designElem xmlns:p16="http://schemas.microsoft.com/office/powerpoint/2015/main" val="1"/>
+              </p:ext>
+            </p:extLst>
+          </p:nvPr>
+        </p:nvSpPr>
+        <p:spPr>
+          <a:xfrm>
+            <a:off x="3717533" y="1300271"/>
+            <a:ext cx="1992651" cy="1992652"/>
+          </a:xfrm>
+          <a:prstGeom prst="round1Rect">
+            <a:avLst>
+              <a:gd name="adj" fmla="val 11295"/>
+            </a:avLst>
+          </a:prstGeom>
+          <a:solidFill>
+            <a:srgbClr val="AFABAB"/>
+          </a:solidFill>
+          <a:ln>
+            <a:noFill/>
+          </a:ln>
+        </p:spPr>
+        <p:style>
+          <a:lnRef idx="2">
+            <a:schemeClr val="accent1">
+              <a:shade val="50000"/>
+            </a:schemeClr>
+          </a:lnRef>
+          <a:fillRef idx="1">
+            <a:schemeClr val="accent1"/>
+          </a:fillRef>
+          <a:effectRef idx="0">
+            <a:schemeClr val="accent1"/>
+          </a:effectRef>
+          <a:fontRef idx="minor">
+            <a:schemeClr val="lt1"/>
+          </a:fontRef>
+        </p:style>
+        <p:txBody>
+          <a:bodyPr rtlCol="0" anchor="ctr"/>
+          <a:lstStyle/>
+          <a:p>
+            <a:pPr algn="ctr"/>
+            <a:endParaRPr lang="en-US">
+              <a:solidFill>
+                <a:prstClr val="white"/>
+              </a:solidFill>
+              <a:latin typeface="Calibri" panose="020F0502020204030204"/>
+            </a:endParaRPr>
+          </a:p>
+        </p:txBody>
+      </p:sp>
+      <p:sp>
+        <p:nvSpPr>
+          <p:cNvPr id="18" name="Round Single Corner Rectangle 23">
+            <a:extLst>
+              <a:ext uri="{FF2B5EF4-FFF2-40B4-BE49-F238E27FC236}">
+                <a16:creationId xmlns:a16="http://schemas.microsoft.com/office/drawing/2014/main" id="{54600AC1-F146-4567-9C5E-A96D6D349234}"/>
+              </a:ext>
+              <a:ext uri="{C183D7F6-B498-43B3-948B-1728B52AA6E4}">
+                <adec:decorative xmlns:adec="http://schemas.microsoft.com/office/drawing/2017/decorative" val="1"/>
+              </a:ext>
+            </a:extLst>
+          </p:cNvPr>
+          <p:cNvSpPr>
+            <a:spLocks noGrp="1" noRot="1" noChangeAspect="1" noMove="1" noResize="1" noEditPoints="1" noAdjustHandles="1" noChangeArrowheads="1" noChangeShapeType="1" noTextEdit="1"/>
+          </p:cNvSpPr>
+          <p:nvPr>
+            <p:extLst>
+              <p:ext uri="{386F3935-93C4-4BCD-93E2-E3B085C9AB24}">
+                <p16:designElem xmlns:p16="http://schemas.microsoft.com/office/powerpoint/2015/main" val="1"/>
+              </p:ext>
+            </p:extLst>
+          </p:nvPr>
+        </p:nvSpPr>
+        <p:spPr>
+          <a:xfrm rot="10800000">
+            <a:off x="1287904" y="3438135"/>
+            <a:ext cx="2281244" cy="2281245"/>
+          </a:xfrm>
+          <a:prstGeom prst="round1Rect">
+            <a:avLst>
+              <a:gd name="adj" fmla="val 11295"/>
+            </a:avLst>
+          </a:prstGeom>
+          <a:solidFill>
+            <a:srgbClr val="898989"/>
+          </a:solidFill>
+          <a:ln>
+            <a:noFill/>
+          </a:ln>
+        </p:spPr>
+        <p:style>
+          <a:lnRef idx="2">
+            <a:schemeClr val="accent1">
+              <a:shade val="50000"/>
+            </a:schemeClr>
+          </a:lnRef>
+          <a:fillRef idx="1">
+            <a:schemeClr val="accent1"/>
+          </a:fillRef>
+          <a:effectRef idx="0">
+            <a:schemeClr val="accent1"/>
+          </a:effectRef>
+          <a:fontRef idx="minor">
+            <a:schemeClr val="lt1"/>
+          </a:fontRef>
+        </p:style>
+        <p:txBody>
+          <a:bodyPr rtlCol="0" anchor="ctr"/>
+          <a:lstStyle/>
+          <a:p>
+            <a:pPr algn="ctr"/>
+            <a:endParaRPr lang="en-US">
+              <a:solidFill>
+                <a:prstClr val="white"/>
+              </a:solidFill>
+              <a:latin typeface="Calibri" panose="020F0502020204030204"/>
+            </a:endParaRPr>
+          </a:p>
+        </p:txBody>
+      </p:sp>
+      <p:sp>
+        <p:nvSpPr>
+          <p:cNvPr id="20" name="Round Single Corner Rectangle 25">
+            <a:extLst>
+              <a:ext uri="{FF2B5EF4-FFF2-40B4-BE49-F238E27FC236}">
+                <a16:creationId xmlns:a16="http://schemas.microsoft.com/office/drawing/2014/main" id="{EBA7E638-205A-4579-864F-125BAC629F4D}"/>
+              </a:ext>
+              <a:ext uri="{C183D7F6-B498-43B3-948B-1728B52AA6E4}">
+                <adec:decorative xmlns:adec="http://schemas.microsoft.com/office/drawing/2017/decorative" val="1"/>
+              </a:ext>
+            </a:extLst>
+          </p:cNvPr>
+          <p:cNvSpPr>
+            <a:spLocks noGrp="1" noRot="1" noChangeAspect="1" noMove="1" noResize="1" noEditPoints="1" noAdjustHandles="1" noChangeArrowheads="1" noChangeShapeType="1" noTextEdit="1"/>
+          </p:cNvSpPr>
+          <p:nvPr>
+            <p:extLst>
+              <p:ext uri="{386F3935-93C4-4BCD-93E2-E3B085C9AB24}">
+                <p16:designElem xmlns:p16="http://schemas.microsoft.com/office/powerpoint/2015/main" val="1"/>
+              </p:ext>
+            </p:extLst>
+          </p:nvPr>
+        </p:nvSpPr>
+        <p:spPr>
+          <a:xfrm rot="5400000">
+            <a:off x="3717533" y="3438135"/>
+            <a:ext cx="2657864" cy="2657864"/>
+          </a:xfrm>
+          <a:prstGeom prst="round1Rect">
+            <a:avLst>
+              <a:gd name="adj" fmla="val 11295"/>
+            </a:avLst>
+          </a:prstGeom>
+          <a:solidFill>
+            <a:srgbClr val="FFFFFF"/>
+          </a:solidFill>
+          <a:ln w="57150">
+            <a:solidFill>
+              <a:srgbClr val="AFABAB"/>
+            </a:solidFill>
+          </a:ln>
+        </p:spPr>
+        <p:style>
+          <a:lnRef idx="2">
+            <a:schemeClr val="accent1">
+              <a:shade val="50000"/>
+            </a:schemeClr>
+          </a:lnRef>
+          <a:fillRef idx="1">
+            <a:schemeClr val="accent1"/>
+          </a:fillRef>
+          <a:effectRef idx="0">
+            <a:schemeClr val="accent1"/>
+          </a:effectRef>
+          <a:fontRef idx="minor">
+            <a:schemeClr val="lt1"/>
+          </a:fontRef>
+        </p:style>
+        <p:txBody>
+          <a:bodyPr rot="0" spcFirstLastPara="0" vertOverflow="overflow" horzOverflow="overflow" vert="horz" wrap="square" lIns="91440" tIns="45720" rIns="91440" bIns="45720" numCol="1" spcCol="0" rtlCol="0" fromWordArt="0" anchor="ctr" anchorCtr="0" forceAA="0" compatLnSpc="1">
+            <a:prstTxWarp prst="textNoShape">
+              <a:avLst/>
+            </a:prstTxWarp>
+            <a:noAutofit/>
+          </a:bodyPr>
+          <a:lstStyle/>
+          <a:p>
+            <a:pPr marL="0" marR="0" lvl="0" indent="0" algn="ctr" defTabSz="914400" rtl="0" eaLnBrk="1" fontAlgn="auto" latinLnBrk="0" hangingPunct="1">
+              <a:lnSpc>
+                <a:spcPct val="100000"/>
+              </a:lnSpc>
+              <a:spcBef>
+                <a:spcPts val="0"/>
+              </a:spcBef>
+              <a:spcAft>
+                <a:spcPts val="0"/>
+              </a:spcAft>
+              <a:buClrTx/>
+              <a:buSzTx/>
+              <a:buFontTx/>
+              <a:buNone/>
+              <a:tabLst/>
+              <a:defRPr/>
+            </a:pPr>
+            <a:endParaRPr kumimoji="0" lang="en-US" sz="1800" b="0" i="0" u="none" strike="noStrike" kern="1200" cap="none" spc="0" normalizeH="0" baseline="0" noProof="0">
+              <a:ln>
+                <a:noFill/>
+              </a:ln>
+              <a:solidFill>
+                <a:prstClr val="white"/>
+              </a:solidFill>
+              <a:effectLst/>
+              <a:uLnTx/>
+              <a:uFillTx/>
+              <a:latin typeface="Calibri" panose="020F0502020204030204"/>
+              <a:ea typeface="+mn-ea"/>
+              <a:cs typeface="+mn-cs"/>
+            </a:endParaRPr>
+          </a:p>
+        </p:txBody>
+      </p:sp>
+      <p:pic>
+        <p:nvPicPr>
+          <p:cNvPr id="7" name="Graphic 6" descr="Eye">
+            <a:hlinkClick r:id="rId4"/>
+            <a:extLst>
+              <a:ext uri="{FF2B5EF4-FFF2-40B4-BE49-F238E27FC236}">
+                <a16:creationId xmlns:a16="http://schemas.microsoft.com/office/drawing/2014/main" id="{B3EA1220-2801-D44A-A16D-1418A910FBC5}"/>
+              </a:ext>
+            </a:extLst>
+          </p:cNvPr>
+          <p:cNvPicPr>
+            <a:picLocks noChangeAspect="1"/>
+          </p:cNvPicPr>
+          <p:nvPr/>
+        </p:nvPicPr>
+        <p:blipFill>
+          <a:blip r:embed="rId5">
+            <a:extLst>
+              <a:ext uri="{96DAC541-7B7A-43D3-8B79-37D633B846F1}">
+                <asvg:svgBlip xmlns:asvg="http://schemas.microsoft.com/office/drawing/2016/SVG/main" r:embed="rId6"/>
+              </a:ext>
+            </a:extLst>
+          </a:blip>
+          <a:stretch>
+            <a:fillRect/>
+          </a:stretch>
+        </p:blipFill>
+        <p:spPr>
+          <a:xfrm>
+            <a:off x="3858847" y="3579449"/>
+            <a:ext cx="2375236" cy="2375236"/>
+          </a:xfrm>
+          <a:prstGeom prst="rect">
+            <a:avLst/>
+          </a:prstGeom>
+        </p:spPr>
+      </p:pic>
+      <p:sp>
+        <p:nvSpPr>
+          <p:cNvPr id="22" name="Rectangle: Top Corners Rounded 21">
+            <a:extLst>
+              <a:ext uri="{FF2B5EF4-FFF2-40B4-BE49-F238E27FC236}">
+                <a16:creationId xmlns:a16="http://schemas.microsoft.com/office/drawing/2014/main" id="{2854001E-6E9D-464A-9B65-A4012F7B30D4}"/>
+              </a:ext>
+              <a:ext uri="{C183D7F6-B498-43B3-948B-1728B52AA6E4}">
+                <adec:decorative xmlns:adec="http://schemas.microsoft.com/office/drawing/2017/decorative" val="1"/>
+              </a:ext>
+            </a:extLst>
+          </p:cNvPr>
+          <p:cNvSpPr>
+            <a:spLocks noGrp="1" noRot="1" noChangeAspect="1" noMove="1" noResize="1" noEditPoints="1" noAdjustHandles="1" noChangeArrowheads="1" noChangeShapeType="1" noTextEdit="1"/>
+          </p:cNvSpPr>
+          <p:nvPr>
+            <p:extLst>
+              <p:ext uri="{386F3935-93C4-4BCD-93E2-E3B085C9AB24}">
+                <p16:designElem xmlns:p16="http://schemas.microsoft.com/office/powerpoint/2015/main" val="1"/>
+              </p:ext>
+            </p:extLst>
+          </p:nvPr>
+        </p:nvSpPr>
+        <p:spPr>
+          <a:xfrm rot="16200000">
+            <a:off x="7052315" y="1050468"/>
+            <a:ext cx="5609397" cy="4757058"/>
+          </a:xfrm>
+          <a:prstGeom prst="round2SameRect">
+            <a:avLst>
+              <a:gd name="adj1" fmla="val 2061"/>
+              <a:gd name="adj2" fmla="val 0"/>
+            </a:avLst>
+          </a:prstGeom>
+          <a:noFill/>
+          <a:ln w="50800">
+            <a:solidFill>
+              <a:srgbClr val="FFFFFF"/>
+            </a:solidFill>
+          </a:ln>
+        </p:spPr>
+        <p:style>
+          <a:lnRef idx="2">
+            <a:schemeClr val="accent1">
+              <a:shade val="50000"/>
+            </a:schemeClr>
+          </a:lnRef>
+          <a:fillRef idx="1">
+            <a:schemeClr val="accent1"/>
+          </a:fillRef>
+          <a:effectRef idx="0">
+            <a:schemeClr val="accent1"/>
+          </a:effectRef>
+          <a:fontRef idx="minor">
+            <a:schemeClr val="lt1"/>
+          </a:fontRef>
+        </p:style>
+        <p:txBody>
+          <a:bodyPr rtlCol="0" anchor="ctr"/>
+          <a:lstStyle/>
+          <a:p>
+            <a:pPr marL="0" marR="0" lvl="0" indent="0" algn="ctr" defTabSz="914400" rtl="0" eaLnBrk="1" fontAlgn="auto" latinLnBrk="0" hangingPunct="1">
+              <a:lnSpc>
+                <a:spcPct val="100000"/>
+              </a:lnSpc>
+              <a:spcBef>
+                <a:spcPts val="0"/>
+              </a:spcBef>
+              <a:spcAft>
+                <a:spcPts val="0"/>
+              </a:spcAft>
+              <a:buClrTx/>
+              <a:buSzTx/>
+              <a:buFontTx/>
+              <a:buNone/>
+              <a:tabLst/>
+              <a:defRPr/>
+            </a:pPr>
+            <a:endParaRPr kumimoji="0" lang="en-US" sz="1800" b="0" i="0" u="none" strike="noStrike" kern="1200" cap="none" spc="0" normalizeH="0" baseline="0" noProof="0">
+              <a:ln>
+                <a:noFill/>
+              </a:ln>
+              <a:solidFill>
+                <a:prstClr val="white"/>
+              </a:solidFill>
+              <a:effectLst/>
+              <a:uLnTx/>
+              <a:uFillTx/>
+              <a:latin typeface="Calibri" panose="020F0502020204030204"/>
+              <a:ea typeface="+mn-ea"/>
+              <a:cs typeface="+mn-cs"/>
+            </a:endParaRPr>
+          </a:p>
+        </p:txBody>
+      </p:sp>
+      <p:cxnSp>
+        <p:nvCxnSpPr>
+          <p:cNvPr id="24" name="Straight Connector 23">
+            <a:extLst>
+              <a:ext uri="{FF2B5EF4-FFF2-40B4-BE49-F238E27FC236}">
+                <a16:creationId xmlns:a16="http://schemas.microsoft.com/office/drawing/2014/main" id="{62C9802A-EFBD-41D4-894F-AFD985DBA5BD}"/>
+              </a:ext>
+              <a:ext uri="{C183D7F6-B498-43B3-948B-1728B52AA6E4}">
+                <adec:decorative xmlns:adec="http://schemas.microsoft.com/office/drawing/2017/decorative" val="1"/>
+              </a:ext>
+            </a:extLst>
+          </p:cNvPr>
+          <p:cNvCxnSpPr>
+            <a:cxnSpLocks noGrp="1" noRot="1" noChangeAspect="1" noMove="1" noResize="1" noEditPoints="1" noAdjustHandles="1" noChangeArrowheads="1" noChangeShapeType="1"/>
+          </p:cNvCxnSpPr>
+          <p:nvPr>
+            <p:extLst>
+              <p:ext uri="{386F3935-93C4-4BCD-93E2-E3B085C9AB24}">
+                <p16:designElem xmlns:p16="http://schemas.microsoft.com/office/powerpoint/2015/main" val="1"/>
+              </p:ext>
+            </p:extLst>
+          </p:nvPr>
+        </p:nvCxnSpPr>
+        <p:spPr>
+          <a:xfrm>
+            <a:off x="7952907" y="2856601"/>
+            <a:ext cx="1597456" cy="0"/>
+          </a:xfrm>
+          <a:prstGeom prst="line">
+            <a:avLst/>
+          </a:prstGeom>
+          <a:ln w="50800">
+            <a:solidFill>
+              <a:srgbClr val="A6A6A6"/>
+            </a:solidFill>
+          </a:ln>
+        </p:spPr>
+        <p:style>
+          <a:lnRef idx="1">
+            <a:schemeClr val="accent1"/>
+          </a:lnRef>
+          <a:fillRef idx="0">
+            <a:schemeClr val="accent1"/>
+          </a:fillRef>
+          <a:effectRef idx="0">
+            <a:schemeClr val="accent1"/>
+          </a:effectRef>
+          <a:fontRef idx="minor">
+            <a:schemeClr val="tx1"/>
+          </a:fontRef>
+        </p:style>
+      </p:cxnSp>
       <p:pic>
         <p:nvPicPr>
           <p:cNvPr id="4" name="Picture 2" descr="https://lh4.googleusercontent.com/lW34VD0dGPRqCf8CKAd_MAGgR-9jzSkjhSHgb0aCy47syshjvUj0MqjXOYd6uvXNqL0lEKMtZinHQ7IFhjQQ2BaSOcNbPzHZkEPj11oa82SPtWGPple-hQSIW23hpIafxE44">
             <a:extLst>
               <a:ext uri="{FF2B5EF4-FFF2-40B4-BE49-F238E27FC236}">
-                <a16:creationId xmlns:a16="http://schemas.microsoft.com/office/drawing/2014/main" id="{6D071C6D-079C-4D47-80E9-B1021319573A}"/>
+                <a16:creationId xmlns:a16="http://schemas.microsoft.com/office/drawing/2014/main" id="{84B0B44A-679A-1F43-8AD2-50C277891407}"/>
               </a:ext>
             </a:extLst>
           </p:cNvPr>
@@ -9273,7 +9710,7 @@
           <p:nvPr/>
         </p:nvPicPr>
         <p:blipFill>
-          <a:blip r:embed="rId2">
+          <a:blip r:embed="rId7">
             <a:extLst>
               <a:ext uri="{28A0092B-C50C-407E-A947-70E740481C1C}">
                 <a14:useLocalDpi xmlns:a14="http://schemas.microsoft.com/office/drawing/2010/main" val="0"/>
@@ -9307,10 +9744,49 @@
       </p:pic>
       <p:sp>
         <p:nvSpPr>
-          <p:cNvPr id="9" name="Content Placeholder 8">
-            <a:extLst>
-              <a:ext uri="{FF2B5EF4-FFF2-40B4-BE49-F238E27FC236}">
-                <a16:creationId xmlns:a16="http://schemas.microsoft.com/office/drawing/2014/main" id="{988B6945-A5C4-2341-9A44-3FF2E6BE0A77}"/>
+          <p:cNvPr id="2" name="Title 1">
+            <a:extLst>
+              <a:ext uri="{FF2B5EF4-FFF2-40B4-BE49-F238E27FC236}">
+                <a16:creationId xmlns:a16="http://schemas.microsoft.com/office/drawing/2014/main" id="{868D13F2-10BE-D243-B3AD-97B7DB778797}"/>
+              </a:ext>
+            </a:extLst>
+          </p:cNvPr>
+          <p:cNvSpPr>
+            <a:spLocks noGrp="1"/>
+          </p:cNvSpPr>
+          <p:nvPr>
+            <p:ph type="title"/>
+          </p:nvPr>
+        </p:nvSpPr>
+        <p:spPr>
+          <a:xfrm>
+            <a:off x="7856388" y="975365"/>
+            <a:ext cx="3847882" cy="1691907"/>
+          </a:xfrm>
+        </p:spPr>
+        <p:txBody>
+          <a:bodyPr anchor="ctr">
+            <a:normAutofit/>
+          </a:bodyPr>
+          <a:lstStyle/>
+          <a:p>
+            <a:r>
+              <a:rPr lang="en-US" sz="4000" spc="600">
+                <a:solidFill>
+                  <a:srgbClr val="FFFFFF"/>
+                </a:solidFill>
+              </a:rPr>
+              <a:t>Exercices </a:t>
+            </a:r>
+          </a:p>
+        </p:txBody>
+      </p:sp>
+      <p:sp>
+        <p:nvSpPr>
+          <p:cNvPr id="3" name="Content Placeholder 2">
+            <a:extLst>
+              <a:ext uri="{FF2B5EF4-FFF2-40B4-BE49-F238E27FC236}">
+                <a16:creationId xmlns:a16="http://schemas.microsoft.com/office/drawing/2014/main" id="{E75A5F43-13B3-DA4A-BBDA-48AD828E04BB}"/>
               </a:ext>
             </a:extLst>
           </p:cNvPr>
@@ -9321,76 +9797,65 @@
             <p:ph idx="1"/>
           </p:nvPr>
         </p:nvSpPr>
-        <p:spPr/>
+        <p:spPr>
+          <a:xfrm>
+            <a:off x="7856388" y="3038478"/>
+            <a:ext cx="3847881" cy="2843844"/>
+          </a:xfrm>
+        </p:spPr>
         <p:txBody>
-          <a:bodyPr/>
+          <a:bodyPr anchor="ctr">
+            <a:normAutofit/>
+          </a:bodyPr>
           <a:lstStyle/>
           <a:p>
-            <a:r>
-              <a:rPr lang="en-US" dirty="0" err="1"/>
-              <a:t>Ajouter</a:t>
-            </a:r>
-            <a:endParaRPr lang="en-US" dirty="0"/>
-          </a:p>
-          <a:p>
-            <a:pPr lvl="1"/>
-            <a:r>
-              <a:rPr lang="en-US" dirty="0" err="1"/>
-              <a:t>Balise</a:t>
-            </a:r>
-            <a:r>
-              <a:rPr lang="en-US" dirty="0"/>
-              <a:t> meta</a:t>
-            </a:r>
-          </a:p>
-          <a:p>
-            <a:pPr lvl="1"/>
-            <a:r>
-              <a:rPr lang="en-US" dirty="0"/>
-              <a:t>&lt;aside&gt;</a:t>
-            </a:r>
-          </a:p>
-          <a:p>
-            <a:pPr lvl="1"/>
-            <a:r>
-              <a:rPr lang="en-US" dirty="0"/>
-              <a:t>Structure </a:t>
-            </a:r>
-            <a:r>
-              <a:rPr lang="en-US" dirty="0" err="1"/>
-              <a:t>nav</a:t>
-            </a:r>
-            <a:r>
-              <a:rPr lang="en-US" dirty="0"/>
-              <a:t> header </a:t>
-            </a:r>
-            <a:r>
-              <a:rPr lang="en-US" dirty="0" err="1"/>
-              <a:t>etc</a:t>
-            </a:r>
-            <a:r>
-              <a:rPr lang="en-US" dirty="0"/>
-              <a:t>, </a:t>
-            </a:r>
-            <a:r>
-              <a:rPr lang="en-US" dirty="0" err="1"/>
-              <a:t>ou</a:t>
-            </a:r>
-            <a:r>
-              <a:rPr lang="en-US" dirty="0"/>
+            <a:pPr marL="0" indent="0">
+              <a:buNone/>
+            </a:pPr>
+            <a:r>
+              <a:rPr lang="en-US" sz="3600" dirty="0" err="1">
+                <a:solidFill>
+                  <a:srgbClr val="FFFFFF"/>
+                </a:solidFill>
+              </a:rPr>
+              <a:t>Vive</a:t>
+            </a:r>
+            <a:r>
+              <a:rPr lang="en-US" sz="3600" dirty="0">
+                <a:solidFill>
+                  <a:srgbClr val="FFFFFF"/>
+                </a:solidFill>
+              </a:rPr>
+              <a:t> la </a:t>
+            </a:r>
+            <a:r>
+              <a:rPr lang="en-US" sz="3600" dirty="0" err="1">
+                <a:solidFill>
+                  <a:srgbClr val="FFFFFF"/>
+                </a:solidFill>
+              </a:rPr>
+              <a:t>pratique</a:t>
+            </a:r>
+            <a:r>
+              <a:rPr lang="en-US" sz="3600" dirty="0">
+                <a:solidFill>
+                  <a:srgbClr val="FFFFFF"/>
+                </a:solidFill>
+              </a:rPr>
+              <a:t>! </a:t>
+            </a:r>
+          </a:p>
+          <a:p>
+            <a:pPr marL="0" indent="0">
+              <a:buNone/>
+            </a:pPr>
+            <a:r>
+              <a:rPr lang="en-US" sz="1800" dirty="0">
+                <a:solidFill>
+                  <a:srgbClr val="FFFFFF"/>
+                </a:solidFill>
+              </a:rPr>
               <a:t> </a:t>
-            </a:r>
-            <a:r>
-              <a:rPr lang="en-US" dirty="0" err="1"/>
-              <a:t>autres</a:t>
-            </a:r>
-            <a:endParaRPr lang="en-US" dirty="0"/>
-          </a:p>
-          <a:p>
-            <a:pPr lvl="1"/>
-            <a:r>
-              <a:rPr lang="en-US" dirty="0"/>
-              <a:t>HTML 5</a:t>
             </a:r>
           </a:p>
         </p:txBody>
@@ -9398,20 +9863,20 @@
     </p:spTree>
     <p:extLst>
       <p:ext uri="{BB962C8B-B14F-4D97-AF65-F5344CB8AC3E}">
-        <p14:creationId xmlns:p14="http://schemas.microsoft.com/office/powerpoint/2010/main" val="1043751916"/>
+        <p14:creationId xmlns:p14="http://schemas.microsoft.com/office/powerpoint/2010/main" val="110195031"/>
       </p:ext>
     </p:extLst>
   </p:cSld>
   <p:clrMapOvr>
     <a:masterClrMapping/>
   </p:clrMapOvr>
-  <mc:AlternateContent xmlns:mc="http://schemas.openxmlformats.org/markup-compatibility/2006">
-    <mc:Choice xmlns:p159="http://schemas.microsoft.com/office/powerpoint/2015/09/main" Requires="p159">
+  <mc:AlternateContent xmlns:mc="http://schemas.openxmlformats.org/markup-compatibility/2006" xmlns:p159="http://schemas.microsoft.com/office/powerpoint/2015/09/main">
+    <mc:Choice Requires="p159">
       <p:transition xmlns:p14="http://schemas.microsoft.com/office/powerpoint/2010/main" spd="slow" p14:dur="2000">
         <p159:morph option="byObject"/>
       </p:transition>
     </mc:Choice>
-    <mc:Fallback>
+    <mc:Fallback xmlns="">
       <p:transition spd="slow">
         <p:fade/>
       </p:transition>
@@ -9423,6 +9888,14 @@
 <file path=ppt/slides/slide18.xml><?xml version="1.0" encoding="utf-8"?>
 <p:sld xmlns:a="http://schemas.openxmlformats.org/drawingml/2006/main" xmlns:r="http://schemas.openxmlformats.org/officeDocument/2006/relationships" xmlns:p="http://schemas.openxmlformats.org/presentationml/2006/main">
   <p:cSld>
+    <p:bg>
+      <p:bgPr>
+        <a:solidFill>
+          <a:schemeClr val="bg1"/>
+        </a:solidFill>
+        <a:effectLst/>
+      </p:bgPr>
+    </p:bg>
     <p:spTree>
       <p:nvGrpSpPr>
         <p:cNvPr id="1" name=""/>
@@ -9437,149 +9910,48 @@
           <a:chExt cx="0" cy="0"/>
         </a:xfrm>
       </p:grpSpPr>
-      <p:sp>
-        <p:nvSpPr>
-          <p:cNvPr id="2" name="Title 1">
-            <a:extLst>
-              <a:ext uri="{FF2B5EF4-FFF2-40B4-BE49-F238E27FC236}">
-                <a16:creationId xmlns:a16="http://schemas.microsoft.com/office/drawing/2014/main" id="{868D13F2-10BE-D243-B3AD-97B7DB778797}"/>
-              </a:ext>
-            </a:extLst>
-          </p:cNvPr>
-          <p:cNvSpPr>
-            <a:spLocks noGrp="1"/>
-          </p:cNvSpPr>
-          <p:nvPr>
-            <p:ph type="title"/>
-          </p:nvPr>
-        </p:nvSpPr>
+      <p:pic>
+        <p:nvPicPr>
+          <p:cNvPr id="6" name="Graphic 5" descr="Fishing">
+            <a:extLst>
+              <a:ext uri="{FF2B5EF4-FFF2-40B4-BE49-F238E27FC236}">
+                <a16:creationId xmlns:a16="http://schemas.microsoft.com/office/drawing/2014/main" id="{F76A7EF9-2F12-744A-A78F-9A364E403A87}"/>
+              </a:ext>
+            </a:extLst>
+          </p:cNvPr>
+          <p:cNvPicPr>
+            <a:picLocks noChangeAspect="1"/>
+          </p:cNvPicPr>
+          <p:nvPr/>
+        </p:nvPicPr>
+        <p:blipFill>
+          <a:blip r:embed="rId2">
+            <a:extLst>
+              <a:ext uri="{96DAC541-7B7A-43D3-8B79-37D633B846F1}">
+                <asvg:svgBlip xmlns:asvg="http://schemas.microsoft.com/office/drawing/2016/SVG/main" r:embed="rId3"/>
+              </a:ext>
+            </a:extLst>
+          </a:blip>
+          <a:stretch>
+            <a:fillRect/>
+          </a:stretch>
+        </p:blipFill>
         <p:spPr>
-          <a:solidFill>
-            <a:schemeClr val="bg2"/>
-          </a:solidFill>
+          <a:xfrm>
+            <a:off x="5410200" y="1567572"/>
+            <a:ext cx="1371600" cy="1371600"/>
+          </a:xfrm>
+          <a:prstGeom prst="rect">
+            <a:avLst/>
+          </a:prstGeom>
         </p:spPr>
-        <p:txBody>
-          <a:bodyPr/>
-          <a:lstStyle/>
-          <a:p>
-            <a:pPr algn="ctr"/>
-            <a:r>
-              <a:rPr lang="en-US" spc="600" dirty="0" err="1">
-                <a:solidFill>
-                  <a:schemeClr val="accent2"/>
-                </a:solidFill>
-              </a:rPr>
-              <a:t>Exercices</a:t>
-            </a:r>
-            <a:r>
-              <a:rPr lang="en-US" spc="600" dirty="0"/>
-              <a:t> </a:t>
-            </a:r>
-          </a:p>
-        </p:txBody>
-      </p:sp>
-      <p:sp>
-        <p:nvSpPr>
-          <p:cNvPr id="3" name="Content Placeholder 2">
-            <a:extLst>
-              <a:ext uri="{FF2B5EF4-FFF2-40B4-BE49-F238E27FC236}">
-                <a16:creationId xmlns:a16="http://schemas.microsoft.com/office/drawing/2014/main" id="{E75A5F43-13B3-DA4A-BBDA-48AD828E04BB}"/>
-              </a:ext>
-            </a:extLst>
-          </p:cNvPr>
-          <p:cNvSpPr>
-            <a:spLocks noGrp="1"/>
-          </p:cNvSpPr>
-          <p:nvPr>
-            <p:ph idx="1"/>
-          </p:nvPr>
-        </p:nvSpPr>
-        <p:spPr/>
-        <p:txBody>
-          <a:bodyPr/>
-          <a:lstStyle/>
-          <a:p>
-            <a:r>
-              <a:rPr lang="en-US" dirty="0" err="1"/>
-              <a:t>Vive</a:t>
-            </a:r>
-            <a:r>
-              <a:rPr lang="en-US" dirty="0"/>
-              <a:t> la </a:t>
-            </a:r>
-            <a:r>
-              <a:rPr lang="en-US" dirty="0" err="1"/>
-              <a:t>pratique</a:t>
-            </a:r>
-            <a:r>
-              <a:rPr lang="en-US" dirty="0"/>
-              <a:t>! </a:t>
-            </a:r>
-          </a:p>
-          <a:p>
-            <a:r>
-              <a:rPr lang="en-US" dirty="0">
-                <a:hlinkClick r:id="rId2"/>
-              </a:rPr>
-              <a:t>https://www.cours-gratuit.com/exercices-html/</a:t>
-            </a:r>
-            <a:endParaRPr lang="en-US" dirty="0"/>
-          </a:p>
-          <a:p>
-            <a:r>
-              <a:rPr lang="en-US" dirty="0"/>
-              <a:t>Sticky notes:</a:t>
-            </a:r>
-          </a:p>
-          <a:p>
-            <a:pPr lvl="1"/>
-            <a:r>
-              <a:rPr lang="en-US" dirty="0">
-                <a:hlinkClick r:id="rId3"/>
-              </a:rPr>
-              <a:t>https://cdn.tutsplus.com/net/uploads/legacy/771_sticky/step5.html</a:t>
-            </a:r>
-            <a:endParaRPr lang="en-US" dirty="0"/>
-          </a:p>
-          <a:p>
-            <a:pPr lvl="1"/>
-            <a:r>
-              <a:rPr lang="en-US" dirty="0">
-                <a:hlinkClick r:id="rId4"/>
-              </a:rPr>
-              <a:t>https://code.tutsplus.com/tutorials/create-a-sticky-note-effect-in-5-easy-steps-with-css3-and-html5--net-13934</a:t>
-            </a:r>
-            <a:endParaRPr lang="en-US" dirty="0"/>
-          </a:p>
-          <a:p>
-            <a:pPr marL="457200" lvl="1" indent="0">
-              <a:buNone/>
-            </a:pPr>
-            <a:endParaRPr lang="en-US" dirty="0"/>
-          </a:p>
-          <a:p>
-            <a:pPr marL="0" indent="0">
-              <a:buNone/>
-            </a:pPr>
-            <a:r>
-              <a:rPr lang="en-US" dirty="0"/>
-              <a:t> </a:t>
-            </a:r>
-          </a:p>
-          <a:p>
-            <a:endParaRPr lang="en-US" dirty="0"/>
-          </a:p>
-          <a:p>
-            <a:endParaRPr lang="en-US" dirty="0"/>
-          </a:p>
-        </p:txBody>
-      </p:sp>
+      </p:pic>
       <p:pic>
         <p:nvPicPr>
           <p:cNvPr id="4" name="Picture 2" descr="https://lh4.googleusercontent.com/lW34VD0dGPRqCf8CKAd_MAGgR-9jzSkjhSHgb0aCy47syshjvUj0MqjXOYd6uvXNqL0lEKMtZinHQ7IFhjQQ2BaSOcNbPzHZkEPj11oa82SPtWGPple-hQSIW23hpIafxE44">
             <a:extLst>
               <a:ext uri="{FF2B5EF4-FFF2-40B4-BE49-F238E27FC236}">
-                <a16:creationId xmlns:a16="http://schemas.microsoft.com/office/drawing/2014/main" id="{84B0B44A-679A-1F43-8AD2-50C277891407}"/>
+                <a16:creationId xmlns:a16="http://schemas.microsoft.com/office/drawing/2014/main" id="{7E12673A-28EC-7A4F-9227-99695DCA4FB1}"/>
               </a:ext>
             </a:extLst>
           </p:cNvPr>
@@ -9589,7 +9961,7 @@
           <p:nvPr/>
         </p:nvPicPr>
         <p:blipFill>
-          <a:blip r:embed="rId5">
+          <a:blip r:embed="rId4">
             <a:extLst>
               <a:ext uri="{28A0092B-C50C-407E-A947-70E740481C1C}">
                 <a14:useLocalDpi xmlns:a14="http://schemas.microsoft.com/office/drawing/2010/main" val="0"/>
@@ -9621,90 +9993,12 @@
           </a:extLst>
         </p:spPr>
       </p:pic>
-      <p:pic>
-        <p:nvPicPr>
-          <p:cNvPr id="6" name="Graphic 5" descr="HeadWithGears">
-            <a:extLst>
-              <a:ext uri="{FF2B5EF4-FFF2-40B4-BE49-F238E27FC236}">
-                <a16:creationId xmlns:a16="http://schemas.microsoft.com/office/drawing/2014/main" id="{C42C0F8D-9BDE-0841-A417-C964E481CA5E}"/>
-              </a:ext>
-            </a:extLst>
-          </p:cNvPr>
-          <p:cNvPicPr>
-            <a:picLocks noChangeAspect="1"/>
-          </p:cNvPicPr>
-          <p:nvPr/>
-        </p:nvPicPr>
-        <p:blipFill>
-          <a:blip r:embed="rId6">
-            <a:extLst>
-              <a:ext uri="{96DAC541-7B7A-43D3-8B79-37D633B846F1}">
-                <asvg:svgBlip xmlns:asvg="http://schemas.microsoft.com/office/drawing/2016/SVG/main" r:embed="rId7"/>
-              </a:ext>
-            </a:extLst>
-          </a:blip>
-          <a:stretch>
-            <a:fillRect/>
-          </a:stretch>
-        </p:blipFill>
-        <p:spPr>
-          <a:xfrm>
-            <a:off x="3166533" y="562987"/>
-            <a:ext cx="914400" cy="914400"/>
-          </a:xfrm>
-          <a:prstGeom prst="rect">
-            <a:avLst/>
-          </a:prstGeom>
-        </p:spPr>
-      </p:pic>
-    </p:spTree>
-    <p:extLst>
-      <p:ext uri="{BB962C8B-B14F-4D97-AF65-F5344CB8AC3E}">
-        <p14:creationId xmlns:p14="http://schemas.microsoft.com/office/powerpoint/2010/main" val="110195031"/>
-      </p:ext>
-    </p:extLst>
-  </p:cSld>
-  <p:clrMapOvr>
-    <a:masterClrMapping/>
-  </p:clrMapOvr>
-  <mc:AlternateContent xmlns:mc="http://schemas.openxmlformats.org/markup-compatibility/2006">
-    <mc:Choice xmlns:p159="http://schemas.microsoft.com/office/powerpoint/2015/09/main" Requires="p159">
-      <p:transition xmlns:p14="http://schemas.microsoft.com/office/powerpoint/2010/main" spd="slow" p14:dur="2000">
-        <p159:morph option="byObject"/>
-      </p:transition>
-    </mc:Choice>
-    <mc:Fallback>
-      <p:transition spd="slow">
-        <p:fade/>
-      </p:transition>
-    </mc:Fallback>
-  </mc:AlternateContent>
-</p:sld>
-</file>
-
-<file path=ppt/slides/slide19.xml><?xml version="1.0" encoding="utf-8"?>
-<p:sld xmlns:a="http://schemas.openxmlformats.org/drawingml/2006/main" xmlns:r="http://schemas.openxmlformats.org/officeDocument/2006/relationships" xmlns:p="http://schemas.openxmlformats.org/presentationml/2006/main">
-  <p:cSld>
-    <p:spTree>
-      <p:nvGrpSpPr>
-        <p:cNvPr id="1" name=""/>
-        <p:cNvGrpSpPr/>
-        <p:nvPr/>
-      </p:nvGrpSpPr>
-      <p:grpSpPr>
-        <a:xfrm>
-          <a:off x="0" y="0"/>
-          <a:ext cx="0" cy="0"/>
-          <a:chOff x="0" y="0"/>
-          <a:chExt cx="0" cy="0"/>
-        </a:xfrm>
-      </p:grpSpPr>
       <p:sp>
         <p:nvSpPr>
           <p:cNvPr id="2" name="Title 1">
             <a:extLst>
               <a:ext uri="{FF2B5EF4-FFF2-40B4-BE49-F238E27FC236}">
-                <a16:creationId xmlns:a16="http://schemas.microsoft.com/office/drawing/2014/main" id="{287CB277-D551-244E-8B38-9E8722900FCF}"/>
+                <a16:creationId xmlns:a16="http://schemas.microsoft.com/office/drawing/2014/main" id="{54BFF03A-84F6-2A42-A9B8-1AD5A01E794B}"/>
               </a:ext>
             </a:extLst>
           </p:cNvPr>
@@ -9715,12 +10009,27 @@
             <p:ph type="title"/>
           </p:nvPr>
         </p:nvSpPr>
-        <p:spPr/>
+        <p:spPr>
+          <a:xfrm>
+            <a:off x="2679032" y="2939172"/>
+            <a:ext cx="6833936" cy="979656"/>
+          </a:xfrm>
+        </p:spPr>
         <p:txBody>
-          <a:bodyPr/>
+          <a:bodyPr anchor="ctr">
+            <a:normAutofit/>
+          </a:bodyPr>
           <a:lstStyle/>
           <a:p>
-            <a:endParaRPr lang="en-US"/>
+            <a:pPr algn="ctr"/>
+            <a:r>
+              <a:rPr lang="en-US" spc="600" dirty="0">
+                <a:solidFill>
+                  <a:schemeClr val="accent2"/>
+                </a:solidFill>
+              </a:rPr>
+              <a:t>Sources</a:t>
+            </a:r>
           </a:p>
         </p:txBody>
       </p:sp>
@@ -9729,7 +10038,7 @@
           <p:cNvPr id="3" name="Content Placeholder 2">
             <a:extLst>
               <a:ext uri="{FF2B5EF4-FFF2-40B4-BE49-F238E27FC236}">
-                <a16:creationId xmlns:a16="http://schemas.microsoft.com/office/drawing/2014/main" id="{5FC708FA-9928-D14B-9F7D-4A02772B92B9}"/>
+                <a16:creationId xmlns:a16="http://schemas.microsoft.com/office/drawing/2014/main" id="{7A033DC9-2CE7-164C-8392-172DC161EF87}"/>
               </a:ext>
             </a:extLst>
           </p:cNvPr>
@@ -9740,79 +10049,87 @@
             <p:ph idx="1"/>
           </p:nvPr>
         </p:nvSpPr>
-        <p:spPr/>
+        <p:spPr>
+          <a:xfrm>
+            <a:off x="2679032" y="4079695"/>
+            <a:ext cx="6833936" cy="2097266"/>
+          </a:xfrm>
+        </p:spPr>
         <p:txBody>
-          <a:bodyPr/>
+          <a:bodyPr anchor="t">
+            <a:normAutofit/>
+          </a:bodyPr>
           <a:lstStyle/>
           <a:p>
-            <a:endParaRPr lang="en-US"/>
+            <a:pPr algn="ctr"/>
+            <a:r>
+              <a:rPr lang="en-US" sz="1800" dirty="0">
+                <a:hlinkClick r:id="rId5"/>
+              </a:rPr>
+              <a:t>https://simon.html5.org/html-elements</a:t>
+            </a:r>
+            <a:endParaRPr lang="en-US" sz="1800" dirty="0"/>
+          </a:p>
+          <a:p>
+            <a:pPr algn="ctr"/>
+            <a:r>
+              <a:rPr lang="en-US" sz="1800" dirty="0">
+                <a:hlinkClick r:id="rId6"/>
+              </a:rPr>
+              <a:t>https://www.alsacreations.com/tuto/liste/1-html.html</a:t>
+            </a:r>
+            <a:r>
+              <a:rPr lang="en-US" sz="1800" dirty="0"/>
+              <a:t> </a:t>
+            </a:r>
+          </a:p>
+          <a:p>
+            <a:pPr algn="ctr"/>
+            <a:r>
+              <a:rPr lang="en-US" sz="1800" dirty="0">
+                <a:hlinkClick r:id="rId7"/>
+              </a:rPr>
+              <a:t>https://htmlreference.io/</a:t>
+            </a:r>
+            <a:endParaRPr lang="en-US" sz="1800" dirty="0"/>
+          </a:p>
+          <a:p>
+            <a:pPr algn="ctr"/>
+            <a:r>
+              <a:rPr lang="en-US" sz="1800" dirty="0">
+                <a:hlinkClick r:id="rId8"/>
+              </a:rPr>
+              <a:t>http://www.wufai.edu.tw/%E7%B6%B2%E9%A0%81%E6%8A%80%E8%A1%93%E4%B8%AD%E5%BF%83/datasheet/HTML%20and%20CSS%20design%20and%20build%20websites.pdf</a:t>
+            </a:r>
+            <a:endParaRPr lang="en-US" sz="1800" dirty="0"/>
+          </a:p>
+          <a:p>
+            <a:pPr algn="ctr"/>
+            <a:endParaRPr lang="en-US" sz="1800" dirty="0"/>
+          </a:p>
+          <a:p>
+            <a:pPr algn="ctr"/>
+            <a:endParaRPr lang="en-US" sz="1800" dirty="0"/>
           </a:p>
         </p:txBody>
       </p:sp>
-      <p:pic>
-        <p:nvPicPr>
-          <p:cNvPr id="4" name="Picture 2" descr="https://lh4.googleusercontent.com/lW34VD0dGPRqCf8CKAd_MAGgR-9jzSkjhSHgb0aCy47syshjvUj0MqjXOYd6uvXNqL0lEKMtZinHQ7IFhjQQ2BaSOcNbPzHZkEPj11oa82SPtWGPple-hQSIW23hpIafxE44">
-            <a:extLst>
-              <a:ext uri="{FF2B5EF4-FFF2-40B4-BE49-F238E27FC236}">
-                <a16:creationId xmlns:a16="http://schemas.microsoft.com/office/drawing/2014/main" id="{F7CA2882-4CBF-A840-B086-94FF11C58AC9}"/>
-              </a:ext>
-            </a:extLst>
-          </p:cNvPr>
-          <p:cNvPicPr>
-            <a:picLocks noChangeAspect="1" noChangeArrowheads="1"/>
-          </p:cNvPicPr>
-          <p:nvPr/>
-        </p:nvPicPr>
-        <p:blipFill>
-          <a:blip r:embed="rId2">
-            <a:extLst>
-              <a:ext uri="{28A0092B-C50C-407E-A947-70E740481C1C}">
-                <a14:useLocalDpi xmlns:a14="http://schemas.microsoft.com/office/drawing/2010/main" val="0"/>
-              </a:ext>
-            </a:extLst>
-          </a:blip>
-          <a:srcRect/>
-          <a:stretch>
-            <a:fillRect/>
-          </a:stretch>
-        </p:blipFill>
-        <p:spPr bwMode="auto">
-          <a:xfrm>
-            <a:off x="11055972" y="5913967"/>
-            <a:ext cx="750794" cy="750794"/>
-          </a:xfrm>
-          <a:prstGeom prst="rect">
-            <a:avLst/>
-          </a:prstGeom>
-          <a:noFill/>
-          <a:extLst>
-            <a:ext uri="{909E8E84-426E-40DD-AFC4-6F175D3DCCD1}">
-              <a14:hiddenFill xmlns:a14="http://schemas.microsoft.com/office/drawing/2010/main">
-                <a:solidFill>
-                  <a:srgbClr val="FFFFFF"/>
-                </a:solidFill>
-              </a14:hiddenFill>
-            </a:ext>
-          </a:extLst>
-        </p:spPr>
-      </p:pic>
     </p:spTree>
     <p:extLst>
       <p:ext uri="{BB962C8B-B14F-4D97-AF65-F5344CB8AC3E}">
-        <p14:creationId xmlns:p14="http://schemas.microsoft.com/office/powerpoint/2010/main" val="1170556161"/>
+        <p14:creationId xmlns:p14="http://schemas.microsoft.com/office/powerpoint/2010/main" val="3901044665"/>
       </p:ext>
     </p:extLst>
   </p:cSld>
   <p:clrMapOvr>
     <a:masterClrMapping/>
   </p:clrMapOvr>
-  <mc:AlternateContent xmlns:mc="http://schemas.openxmlformats.org/markup-compatibility/2006">
-    <mc:Choice xmlns:p159="http://schemas.microsoft.com/office/powerpoint/2015/09/main" Requires="p159">
+  <mc:AlternateContent xmlns:mc="http://schemas.openxmlformats.org/markup-compatibility/2006" xmlns:p159="http://schemas.microsoft.com/office/powerpoint/2015/09/main">
+    <mc:Choice Requires="p159">
       <p:transition xmlns:p14="http://schemas.microsoft.com/office/powerpoint/2010/main" spd="slow" p14:dur="2000">
         <p159:morph option="byObject"/>
       </p:transition>
     </mc:Choice>
-    <mc:Fallback>
+    <mc:Fallback xmlns="">
       <p:transition spd="slow">
         <p:fade/>
       </p:transition>
@@ -10120,7 +10437,7 @@
             </a:r>
             <a:r>
               <a:rPr lang="en-US" sz="2400" dirty="0"/>
-              <a:t> son HTML plus performant</a:t>
+              <a:t> son HTML plus structure/performant</a:t>
             </a:r>
           </a:p>
           <a:p>
@@ -10148,1053 +10465,13 @@
   <p:clrMapOvr>
     <a:masterClrMapping/>
   </p:clrMapOvr>
-  <mc:AlternateContent xmlns:mc="http://schemas.openxmlformats.org/markup-compatibility/2006">
-    <mc:Choice xmlns:p159="http://schemas.microsoft.com/office/powerpoint/2015/09/main" Requires="p159">
+  <mc:AlternateContent xmlns:mc="http://schemas.openxmlformats.org/markup-compatibility/2006" xmlns:p159="http://schemas.microsoft.com/office/powerpoint/2015/09/main">
+    <mc:Choice Requires="p159">
       <p:transition xmlns:p14="http://schemas.microsoft.com/office/powerpoint/2010/main" spd="slow" p14:dur="2000">
         <p159:morph option="byObject"/>
       </p:transition>
     </mc:Choice>
-    <mc:Fallback>
-      <p:transition spd="slow">
-        <p:fade/>
-      </p:transition>
-    </mc:Fallback>
-  </mc:AlternateContent>
-</p:sld>
-</file>
-
-<file path=ppt/slides/slide20.xml><?xml version="1.0" encoding="utf-8"?>
-<p:sld xmlns:a="http://schemas.openxmlformats.org/drawingml/2006/main" xmlns:r="http://schemas.openxmlformats.org/officeDocument/2006/relationships" xmlns:p="http://schemas.openxmlformats.org/presentationml/2006/main">
-  <p:cSld>
-    <p:spTree>
-      <p:nvGrpSpPr>
-        <p:cNvPr id="1" name=""/>
-        <p:cNvGrpSpPr/>
-        <p:nvPr/>
-      </p:nvGrpSpPr>
-      <p:grpSpPr>
-        <a:xfrm>
-          <a:off x="0" y="0"/>
-          <a:ext cx="0" cy="0"/>
-          <a:chOff x="0" y="0"/>
-          <a:chExt cx="0" cy="0"/>
-        </a:xfrm>
-      </p:grpSpPr>
-      <p:sp>
-        <p:nvSpPr>
-          <p:cNvPr id="2" name="Title 1">
-            <a:extLst>
-              <a:ext uri="{FF2B5EF4-FFF2-40B4-BE49-F238E27FC236}">
-                <a16:creationId xmlns:a16="http://schemas.microsoft.com/office/drawing/2014/main" id="{5AB4D61E-E9BE-E044-894B-47C021142FD7}"/>
-              </a:ext>
-            </a:extLst>
-          </p:cNvPr>
-          <p:cNvSpPr>
-            <a:spLocks noGrp="1"/>
-          </p:cNvSpPr>
-          <p:nvPr>
-            <p:ph type="title"/>
-          </p:nvPr>
-        </p:nvSpPr>
-        <p:spPr/>
-        <p:txBody>
-          <a:bodyPr/>
-          <a:lstStyle/>
-          <a:p>
-            <a:endParaRPr lang="en-US"/>
-          </a:p>
-        </p:txBody>
-      </p:sp>
-      <p:sp>
-        <p:nvSpPr>
-          <p:cNvPr id="3" name="Content Placeholder 2">
-            <a:extLst>
-              <a:ext uri="{FF2B5EF4-FFF2-40B4-BE49-F238E27FC236}">
-                <a16:creationId xmlns:a16="http://schemas.microsoft.com/office/drawing/2014/main" id="{8347C4BA-D83A-284E-8EB1-07E4723E1D07}"/>
-              </a:ext>
-            </a:extLst>
-          </p:cNvPr>
-          <p:cNvSpPr>
-            <a:spLocks noGrp="1"/>
-          </p:cNvSpPr>
-          <p:nvPr>
-            <p:ph idx="1"/>
-          </p:nvPr>
-        </p:nvSpPr>
-        <p:spPr/>
-        <p:txBody>
-          <a:bodyPr/>
-          <a:lstStyle/>
-          <a:p>
-            <a:endParaRPr lang="en-US"/>
-          </a:p>
-        </p:txBody>
-      </p:sp>
-      <p:pic>
-        <p:nvPicPr>
-          <p:cNvPr id="4" name="Picture 2" descr="https://lh4.googleusercontent.com/lW34VD0dGPRqCf8CKAd_MAGgR-9jzSkjhSHgb0aCy47syshjvUj0MqjXOYd6uvXNqL0lEKMtZinHQ7IFhjQQ2BaSOcNbPzHZkEPj11oa82SPtWGPple-hQSIW23hpIafxE44">
-            <a:extLst>
-              <a:ext uri="{FF2B5EF4-FFF2-40B4-BE49-F238E27FC236}">
-                <a16:creationId xmlns:a16="http://schemas.microsoft.com/office/drawing/2014/main" id="{57A66A41-2A1D-E746-BDDE-BFFB219BC5D4}"/>
-              </a:ext>
-            </a:extLst>
-          </p:cNvPr>
-          <p:cNvPicPr>
-            <a:picLocks noChangeAspect="1" noChangeArrowheads="1"/>
-          </p:cNvPicPr>
-          <p:nvPr/>
-        </p:nvPicPr>
-        <p:blipFill>
-          <a:blip r:embed="rId2">
-            <a:extLst>
-              <a:ext uri="{28A0092B-C50C-407E-A947-70E740481C1C}">
-                <a14:useLocalDpi xmlns:a14="http://schemas.microsoft.com/office/drawing/2010/main" val="0"/>
-              </a:ext>
-            </a:extLst>
-          </a:blip>
-          <a:srcRect/>
-          <a:stretch>
-            <a:fillRect/>
-          </a:stretch>
-        </p:blipFill>
-        <p:spPr bwMode="auto">
-          <a:xfrm>
-            <a:off x="11055972" y="5913967"/>
-            <a:ext cx="750794" cy="750794"/>
-          </a:xfrm>
-          <a:prstGeom prst="rect">
-            <a:avLst/>
-          </a:prstGeom>
-          <a:noFill/>
-          <a:extLst>
-            <a:ext uri="{909E8E84-426E-40DD-AFC4-6F175D3DCCD1}">
-              <a14:hiddenFill xmlns:a14="http://schemas.microsoft.com/office/drawing/2010/main">
-                <a:solidFill>
-                  <a:srgbClr val="FFFFFF"/>
-                </a:solidFill>
-              </a14:hiddenFill>
-            </a:ext>
-          </a:extLst>
-        </p:spPr>
-      </p:pic>
-    </p:spTree>
-    <p:extLst>
-      <p:ext uri="{BB962C8B-B14F-4D97-AF65-F5344CB8AC3E}">
-        <p14:creationId xmlns:p14="http://schemas.microsoft.com/office/powerpoint/2010/main" val="341785302"/>
-      </p:ext>
-    </p:extLst>
-  </p:cSld>
-  <p:clrMapOvr>
-    <a:masterClrMapping/>
-  </p:clrMapOvr>
-  <mc:AlternateContent xmlns:mc="http://schemas.openxmlformats.org/markup-compatibility/2006">
-    <mc:Choice xmlns:p159="http://schemas.microsoft.com/office/powerpoint/2015/09/main" Requires="p159">
-      <p:transition xmlns:p14="http://schemas.microsoft.com/office/powerpoint/2010/main" spd="slow" p14:dur="2000">
-        <p159:morph option="byObject"/>
-      </p:transition>
-    </mc:Choice>
-    <mc:Fallback>
-      <p:transition spd="slow">
-        <p:fade/>
-      </p:transition>
-    </mc:Fallback>
-  </mc:AlternateContent>
-</p:sld>
-</file>
-
-<file path=ppt/slides/slide21.xml><?xml version="1.0" encoding="utf-8"?>
-<p:sld xmlns:a="http://schemas.openxmlformats.org/drawingml/2006/main" xmlns:r="http://schemas.openxmlformats.org/officeDocument/2006/relationships" xmlns:p="http://schemas.openxmlformats.org/presentationml/2006/main">
-  <p:cSld>
-    <p:spTree>
-      <p:nvGrpSpPr>
-        <p:cNvPr id="1" name=""/>
-        <p:cNvGrpSpPr/>
-        <p:nvPr/>
-      </p:nvGrpSpPr>
-      <p:grpSpPr>
-        <a:xfrm>
-          <a:off x="0" y="0"/>
-          <a:ext cx="0" cy="0"/>
-          <a:chOff x="0" y="0"/>
-          <a:chExt cx="0" cy="0"/>
-        </a:xfrm>
-      </p:grpSpPr>
-      <p:sp>
-        <p:nvSpPr>
-          <p:cNvPr id="2" name="Title 1">
-            <a:extLst>
-              <a:ext uri="{FF2B5EF4-FFF2-40B4-BE49-F238E27FC236}">
-                <a16:creationId xmlns:a16="http://schemas.microsoft.com/office/drawing/2014/main" id="{1BDCFD00-07AB-E340-BB16-FD2FF5970E23}"/>
-              </a:ext>
-            </a:extLst>
-          </p:cNvPr>
-          <p:cNvSpPr>
-            <a:spLocks noGrp="1"/>
-          </p:cNvSpPr>
-          <p:nvPr>
-            <p:ph type="title"/>
-          </p:nvPr>
-        </p:nvSpPr>
-        <p:spPr/>
-        <p:txBody>
-          <a:bodyPr/>
-          <a:lstStyle/>
-          <a:p>
-            <a:endParaRPr lang="en-US"/>
-          </a:p>
-        </p:txBody>
-      </p:sp>
-      <p:sp>
-        <p:nvSpPr>
-          <p:cNvPr id="3" name="Content Placeholder 2">
-            <a:extLst>
-              <a:ext uri="{FF2B5EF4-FFF2-40B4-BE49-F238E27FC236}">
-                <a16:creationId xmlns:a16="http://schemas.microsoft.com/office/drawing/2014/main" id="{6B8B9F1D-5D6E-5546-A27C-BE73D18D41B7}"/>
-              </a:ext>
-            </a:extLst>
-          </p:cNvPr>
-          <p:cNvSpPr>
-            <a:spLocks noGrp="1"/>
-          </p:cNvSpPr>
-          <p:nvPr>
-            <p:ph idx="1"/>
-          </p:nvPr>
-        </p:nvSpPr>
-        <p:spPr/>
-        <p:txBody>
-          <a:bodyPr/>
-          <a:lstStyle/>
-          <a:p>
-            <a:endParaRPr lang="en-US"/>
-          </a:p>
-        </p:txBody>
-      </p:sp>
-      <p:pic>
-        <p:nvPicPr>
-          <p:cNvPr id="4" name="Picture 2" descr="https://lh4.googleusercontent.com/lW34VD0dGPRqCf8CKAd_MAGgR-9jzSkjhSHgb0aCy47syshjvUj0MqjXOYd6uvXNqL0lEKMtZinHQ7IFhjQQ2BaSOcNbPzHZkEPj11oa82SPtWGPple-hQSIW23hpIafxE44">
-            <a:extLst>
-              <a:ext uri="{FF2B5EF4-FFF2-40B4-BE49-F238E27FC236}">
-                <a16:creationId xmlns:a16="http://schemas.microsoft.com/office/drawing/2014/main" id="{F6C20274-7756-8844-907C-8652A5DE788E}"/>
-              </a:ext>
-            </a:extLst>
-          </p:cNvPr>
-          <p:cNvPicPr>
-            <a:picLocks noChangeAspect="1" noChangeArrowheads="1"/>
-          </p:cNvPicPr>
-          <p:nvPr/>
-        </p:nvPicPr>
-        <p:blipFill>
-          <a:blip r:embed="rId2">
-            <a:extLst>
-              <a:ext uri="{28A0092B-C50C-407E-A947-70E740481C1C}">
-                <a14:useLocalDpi xmlns:a14="http://schemas.microsoft.com/office/drawing/2010/main" val="0"/>
-              </a:ext>
-            </a:extLst>
-          </a:blip>
-          <a:srcRect/>
-          <a:stretch>
-            <a:fillRect/>
-          </a:stretch>
-        </p:blipFill>
-        <p:spPr bwMode="auto">
-          <a:xfrm>
-            <a:off x="11055972" y="5913967"/>
-            <a:ext cx="750794" cy="750794"/>
-          </a:xfrm>
-          <a:prstGeom prst="rect">
-            <a:avLst/>
-          </a:prstGeom>
-          <a:noFill/>
-          <a:extLst>
-            <a:ext uri="{909E8E84-426E-40DD-AFC4-6F175D3DCCD1}">
-              <a14:hiddenFill xmlns:a14="http://schemas.microsoft.com/office/drawing/2010/main">
-                <a:solidFill>
-                  <a:srgbClr val="FFFFFF"/>
-                </a:solidFill>
-              </a14:hiddenFill>
-            </a:ext>
-          </a:extLst>
-        </p:spPr>
-      </p:pic>
-    </p:spTree>
-    <p:extLst>
-      <p:ext uri="{BB962C8B-B14F-4D97-AF65-F5344CB8AC3E}">
-        <p14:creationId xmlns:p14="http://schemas.microsoft.com/office/powerpoint/2010/main" val="2247000923"/>
-      </p:ext>
-    </p:extLst>
-  </p:cSld>
-  <p:clrMapOvr>
-    <a:masterClrMapping/>
-  </p:clrMapOvr>
-  <mc:AlternateContent xmlns:mc="http://schemas.openxmlformats.org/markup-compatibility/2006">
-    <mc:Choice xmlns:p159="http://schemas.microsoft.com/office/powerpoint/2015/09/main" Requires="p159">
-      <p:transition xmlns:p14="http://schemas.microsoft.com/office/powerpoint/2010/main" spd="slow" p14:dur="2000">
-        <p159:morph option="byObject"/>
-      </p:transition>
-    </mc:Choice>
-    <mc:Fallback>
-      <p:transition spd="slow">
-        <p:fade/>
-      </p:transition>
-    </mc:Fallback>
-  </mc:AlternateContent>
-</p:sld>
-</file>
-
-<file path=ppt/slides/slide22.xml><?xml version="1.0" encoding="utf-8"?>
-<p:sld xmlns:a="http://schemas.openxmlformats.org/drawingml/2006/main" xmlns:r="http://schemas.openxmlformats.org/officeDocument/2006/relationships" xmlns:p="http://schemas.openxmlformats.org/presentationml/2006/main">
-  <p:cSld>
-    <p:spTree>
-      <p:nvGrpSpPr>
-        <p:cNvPr id="1" name=""/>
-        <p:cNvGrpSpPr/>
-        <p:nvPr/>
-      </p:nvGrpSpPr>
-      <p:grpSpPr>
-        <a:xfrm>
-          <a:off x="0" y="0"/>
-          <a:ext cx="0" cy="0"/>
-          <a:chOff x="0" y="0"/>
-          <a:chExt cx="0" cy="0"/>
-        </a:xfrm>
-      </p:grpSpPr>
-      <p:sp>
-        <p:nvSpPr>
-          <p:cNvPr id="2" name="Title 1">
-            <a:extLst>
-              <a:ext uri="{FF2B5EF4-FFF2-40B4-BE49-F238E27FC236}">
-                <a16:creationId xmlns:a16="http://schemas.microsoft.com/office/drawing/2014/main" id="{CD8FA200-B820-E443-9DDD-05520AFE56DC}"/>
-              </a:ext>
-            </a:extLst>
-          </p:cNvPr>
-          <p:cNvSpPr>
-            <a:spLocks noGrp="1"/>
-          </p:cNvSpPr>
-          <p:nvPr>
-            <p:ph type="title"/>
-          </p:nvPr>
-        </p:nvSpPr>
-        <p:spPr/>
-        <p:txBody>
-          <a:bodyPr/>
-          <a:lstStyle/>
-          <a:p>
-            <a:endParaRPr lang="en-US"/>
-          </a:p>
-        </p:txBody>
-      </p:sp>
-      <p:sp>
-        <p:nvSpPr>
-          <p:cNvPr id="3" name="Content Placeholder 2">
-            <a:extLst>
-              <a:ext uri="{FF2B5EF4-FFF2-40B4-BE49-F238E27FC236}">
-                <a16:creationId xmlns:a16="http://schemas.microsoft.com/office/drawing/2014/main" id="{D463D4D9-42F1-B94A-8D3D-B42CE4441E79}"/>
-              </a:ext>
-            </a:extLst>
-          </p:cNvPr>
-          <p:cNvSpPr>
-            <a:spLocks noGrp="1"/>
-          </p:cNvSpPr>
-          <p:nvPr>
-            <p:ph idx="1"/>
-          </p:nvPr>
-        </p:nvSpPr>
-        <p:spPr/>
-        <p:txBody>
-          <a:bodyPr/>
-          <a:lstStyle/>
-          <a:p>
-            <a:endParaRPr lang="en-US"/>
-          </a:p>
-        </p:txBody>
-      </p:sp>
-      <p:pic>
-        <p:nvPicPr>
-          <p:cNvPr id="4" name="Picture 2" descr="https://lh4.googleusercontent.com/lW34VD0dGPRqCf8CKAd_MAGgR-9jzSkjhSHgb0aCy47syshjvUj0MqjXOYd6uvXNqL0lEKMtZinHQ7IFhjQQ2BaSOcNbPzHZkEPj11oa82SPtWGPple-hQSIW23hpIafxE44">
-            <a:extLst>
-              <a:ext uri="{FF2B5EF4-FFF2-40B4-BE49-F238E27FC236}">
-                <a16:creationId xmlns:a16="http://schemas.microsoft.com/office/drawing/2014/main" id="{58F85C30-29D3-1C4C-9DCF-BE28C5F98504}"/>
-              </a:ext>
-            </a:extLst>
-          </p:cNvPr>
-          <p:cNvPicPr>
-            <a:picLocks noChangeAspect="1" noChangeArrowheads="1"/>
-          </p:cNvPicPr>
-          <p:nvPr/>
-        </p:nvPicPr>
-        <p:blipFill>
-          <a:blip r:embed="rId2">
-            <a:extLst>
-              <a:ext uri="{28A0092B-C50C-407E-A947-70E740481C1C}">
-                <a14:useLocalDpi xmlns:a14="http://schemas.microsoft.com/office/drawing/2010/main" val="0"/>
-              </a:ext>
-            </a:extLst>
-          </a:blip>
-          <a:srcRect/>
-          <a:stretch>
-            <a:fillRect/>
-          </a:stretch>
-        </p:blipFill>
-        <p:spPr bwMode="auto">
-          <a:xfrm>
-            <a:off x="11055972" y="5913967"/>
-            <a:ext cx="750794" cy="750794"/>
-          </a:xfrm>
-          <a:prstGeom prst="rect">
-            <a:avLst/>
-          </a:prstGeom>
-          <a:noFill/>
-          <a:extLst>
-            <a:ext uri="{909E8E84-426E-40DD-AFC4-6F175D3DCCD1}">
-              <a14:hiddenFill xmlns:a14="http://schemas.microsoft.com/office/drawing/2010/main">
-                <a:solidFill>
-                  <a:srgbClr val="FFFFFF"/>
-                </a:solidFill>
-              </a14:hiddenFill>
-            </a:ext>
-          </a:extLst>
-        </p:spPr>
-      </p:pic>
-    </p:spTree>
-    <p:extLst>
-      <p:ext uri="{BB962C8B-B14F-4D97-AF65-F5344CB8AC3E}">
-        <p14:creationId xmlns:p14="http://schemas.microsoft.com/office/powerpoint/2010/main" val="1178619658"/>
-      </p:ext>
-    </p:extLst>
-  </p:cSld>
-  <p:clrMapOvr>
-    <a:masterClrMapping/>
-  </p:clrMapOvr>
-  <mc:AlternateContent xmlns:mc="http://schemas.openxmlformats.org/markup-compatibility/2006">
-    <mc:Choice xmlns:p159="http://schemas.microsoft.com/office/powerpoint/2015/09/main" Requires="p159">
-      <p:transition xmlns:p14="http://schemas.microsoft.com/office/powerpoint/2010/main" spd="slow" p14:dur="2000">
-        <p159:morph option="byObject"/>
-      </p:transition>
-    </mc:Choice>
-    <mc:Fallback>
-      <p:transition spd="slow">
-        <p:fade/>
-      </p:transition>
-    </mc:Fallback>
-  </mc:AlternateContent>
-</p:sld>
-</file>
-
-<file path=ppt/slides/slide23.xml><?xml version="1.0" encoding="utf-8"?>
-<p:sld xmlns:a="http://schemas.openxmlformats.org/drawingml/2006/main" xmlns:r="http://schemas.openxmlformats.org/officeDocument/2006/relationships" xmlns:p="http://schemas.openxmlformats.org/presentationml/2006/main">
-  <p:cSld>
-    <p:spTree>
-      <p:nvGrpSpPr>
-        <p:cNvPr id="1" name=""/>
-        <p:cNvGrpSpPr/>
-        <p:nvPr/>
-      </p:nvGrpSpPr>
-      <p:grpSpPr>
-        <a:xfrm>
-          <a:off x="0" y="0"/>
-          <a:ext cx="0" cy="0"/>
-          <a:chOff x="0" y="0"/>
-          <a:chExt cx="0" cy="0"/>
-        </a:xfrm>
-      </p:grpSpPr>
-      <p:sp>
-        <p:nvSpPr>
-          <p:cNvPr id="2" name="Title 1">
-            <a:extLst>
-              <a:ext uri="{FF2B5EF4-FFF2-40B4-BE49-F238E27FC236}">
-                <a16:creationId xmlns:a16="http://schemas.microsoft.com/office/drawing/2014/main" id="{C7786089-D91A-9749-AD82-5675A938ADB1}"/>
-              </a:ext>
-            </a:extLst>
-          </p:cNvPr>
-          <p:cNvSpPr>
-            <a:spLocks noGrp="1"/>
-          </p:cNvSpPr>
-          <p:nvPr>
-            <p:ph type="title"/>
-          </p:nvPr>
-        </p:nvSpPr>
-        <p:spPr/>
-        <p:txBody>
-          <a:bodyPr/>
-          <a:lstStyle/>
-          <a:p>
-            <a:endParaRPr lang="en-US"/>
-          </a:p>
-        </p:txBody>
-      </p:sp>
-      <p:sp>
-        <p:nvSpPr>
-          <p:cNvPr id="3" name="Content Placeholder 2">
-            <a:extLst>
-              <a:ext uri="{FF2B5EF4-FFF2-40B4-BE49-F238E27FC236}">
-                <a16:creationId xmlns:a16="http://schemas.microsoft.com/office/drawing/2014/main" id="{9C0B23A8-38C5-4B47-B838-401334173048}"/>
-              </a:ext>
-            </a:extLst>
-          </p:cNvPr>
-          <p:cNvSpPr>
-            <a:spLocks noGrp="1"/>
-          </p:cNvSpPr>
-          <p:nvPr>
-            <p:ph idx="1"/>
-          </p:nvPr>
-        </p:nvSpPr>
-        <p:spPr/>
-        <p:txBody>
-          <a:bodyPr/>
-          <a:lstStyle/>
-          <a:p>
-            <a:endParaRPr lang="en-US"/>
-          </a:p>
-        </p:txBody>
-      </p:sp>
-      <p:pic>
-        <p:nvPicPr>
-          <p:cNvPr id="4" name="Picture 2" descr="https://lh4.googleusercontent.com/lW34VD0dGPRqCf8CKAd_MAGgR-9jzSkjhSHgb0aCy47syshjvUj0MqjXOYd6uvXNqL0lEKMtZinHQ7IFhjQQ2BaSOcNbPzHZkEPj11oa82SPtWGPple-hQSIW23hpIafxE44">
-            <a:extLst>
-              <a:ext uri="{FF2B5EF4-FFF2-40B4-BE49-F238E27FC236}">
-                <a16:creationId xmlns:a16="http://schemas.microsoft.com/office/drawing/2014/main" id="{35F03445-EA05-6F44-9BFC-1D45943DEF94}"/>
-              </a:ext>
-            </a:extLst>
-          </p:cNvPr>
-          <p:cNvPicPr>
-            <a:picLocks noChangeAspect="1" noChangeArrowheads="1"/>
-          </p:cNvPicPr>
-          <p:nvPr/>
-        </p:nvPicPr>
-        <p:blipFill>
-          <a:blip r:embed="rId2">
-            <a:extLst>
-              <a:ext uri="{28A0092B-C50C-407E-A947-70E740481C1C}">
-                <a14:useLocalDpi xmlns:a14="http://schemas.microsoft.com/office/drawing/2010/main" val="0"/>
-              </a:ext>
-            </a:extLst>
-          </a:blip>
-          <a:srcRect/>
-          <a:stretch>
-            <a:fillRect/>
-          </a:stretch>
-        </p:blipFill>
-        <p:spPr bwMode="auto">
-          <a:xfrm>
-            <a:off x="11055972" y="5913967"/>
-            <a:ext cx="750794" cy="750794"/>
-          </a:xfrm>
-          <a:prstGeom prst="rect">
-            <a:avLst/>
-          </a:prstGeom>
-          <a:noFill/>
-          <a:extLst>
-            <a:ext uri="{909E8E84-426E-40DD-AFC4-6F175D3DCCD1}">
-              <a14:hiddenFill xmlns:a14="http://schemas.microsoft.com/office/drawing/2010/main">
-                <a:solidFill>
-                  <a:srgbClr val="FFFFFF"/>
-                </a:solidFill>
-              </a14:hiddenFill>
-            </a:ext>
-          </a:extLst>
-        </p:spPr>
-      </p:pic>
-    </p:spTree>
-    <p:extLst>
-      <p:ext uri="{BB962C8B-B14F-4D97-AF65-F5344CB8AC3E}">
-        <p14:creationId xmlns:p14="http://schemas.microsoft.com/office/powerpoint/2010/main" val="55771257"/>
-      </p:ext>
-    </p:extLst>
-  </p:cSld>
-  <p:clrMapOvr>
-    <a:masterClrMapping/>
-  </p:clrMapOvr>
-  <mc:AlternateContent xmlns:mc="http://schemas.openxmlformats.org/markup-compatibility/2006">
-    <mc:Choice xmlns:p159="http://schemas.microsoft.com/office/powerpoint/2015/09/main" Requires="p159">
-      <p:transition xmlns:p14="http://schemas.microsoft.com/office/powerpoint/2010/main" spd="slow" p14:dur="2000">
-        <p159:morph option="byObject"/>
-      </p:transition>
-    </mc:Choice>
-    <mc:Fallback>
-      <p:transition spd="slow">
-        <p:fade/>
-      </p:transition>
-    </mc:Fallback>
-  </mc:AlternateContent>
-</p:sld>
-</file>
-
-<file path=ppt/slides/slide24.xml><?xml version="1.0" encoding="utf-8"?>
-<p:sld xmlns:a="http://schemas.openxmlformats.org/drawingml/2006/main" xmlns:r="http://schemas.openxmlformats.org/officeDocument/2006/relationships" xmlns:p="http://schemas.openxmlformats.org/presentationml/2006/main">
-  <p:cSld>
-    <p:spTree>
-      <p:nvGrpSpPr>
-        <p:cNvPr id="1" name=""/>
-        <p:cNvGrpSpPr/>
-        <p:nvPr/>
-      </p:nvGrpSpPr>
-      <p:grpSpPr>
-        <a:xfrm>
-          <a:off x="0" y="0"/>
-          <a:ext cx="0" cy="0"/>
-          <a:chOff x="0" y="0"/>
-          <a:chExt cx="0" cy="0"/>
-        </a:xfrm>
-      </p:grpSpPr>
-      <p:sp>
-        <p:nvSpPr>
-          <p:cNvPr id="2" name="Title 1">
-            <a:extLst>
-              <a:ext uri="{FF2B5EF4-FFF2-40B4-BE49-F238E27FC236}">
-                <a16:creationId xmlns:a16="http://schemas.microsoft.com/office/drawing/2014/main" id="{A4AD050B-E233-6E48-805E-D8C603087374}"/>
-              </a:ext>
-            </a:extLst>
-          </p:cNvPr>
-          <p:cNvSpPr>
-            <a:spLocks noGrp="1"/>
-          </p:cNvSpPr>
-          <p:nvPr>
-            <p:ph type="title"/>
-          </p:nvPr>
-        </p:nvSpPr>
-        <p:spPr/>
-        <p:txBody>
-          <a:bodyPr/>
-          <a:lstStyle/>
-          <a:p>
-            <a:endParaRPr lang="en-US"/>
-          </a:p>
-        </p:txBody>
-      </p:sp>
-      <p:sp>
-        <p:nvSpPr>
-          <p:cNvPr id="3" name="Content Placeholder 2">
-            <a:extLst>
-              <a:ext uri="{FF2B5EF4-FFF2-40B4-BE49-F238E27FC236}">
-                <a16:creationId xmlns:a16="http://schemas.microsoft.com/office/drawing/2014/main" id="{1E8D97F1-AFC5-9F4C-85D9-198089881875}"/>
-              </a:ext>
-            </a:extLst>
-          </p:cNvPr>
-          <p:cNvSpPr>
-            <a:spLocks noGrp="1"/>
-          </p:cNvSpPr>
-          <p:nvPr>
-            <p:ph idx="1"/>
-          </p:nvPr>
-        </p:nvSpPr>
-        <p:spPr/>
-        <p:txBody>
-          <a:bodyPr/>
-          <a:lstStyle/>
-          <a:p>
-            <a:endParaRPr lang="en-US"/>
-          </a:p>
-        </p:txBody>
-      </p:sp>
-      <p:pic>
-        <p:nvPicPr>
-          <p:cNvPr id="4" name="Picture 2" descr="https://lh4.googleusercontent.com/lW34VD0dGPRqCf8CKAd_MAGgR-9jzSkjhSHgb0aCy47syshjvUj0MqjXOYd6uvXNqL0lEKMtZinHQ7IFhjQQ2BaSOcNbPzHZkEPj11oa82SPtWGPple-hQSIW23hpIafxE44">
-            <a:extLst>
-              <a:ext uri="{FF2B5EF4-FFF2-40B4-BE49-F238E27FC236}">
-                <a16:creationId xmlns:a16="http://schemas.microsoft.com/office/drawing/2014/main" id="{FA2317F0-884C-344F-8324-9432F57D86D1}"/>
-              </a:ext>
-            </a:extLst>
-          </p:cNvPr>
-          <p:cNvPicPr>
-            <a:picLocks noChangeAspect="1" noChangeArrowheads="1"/>
-          </p:cNvPicPr>
-          <p:nvPr/>
-        </p:nvPicPr>
-        <p:blipFill>
-          <a:blip r:embed="rId2">
-            <a:extLst>
-              <a:ext uri="{28A0092B-C50C-407E-A947-70E740481C1C}">
-                <a14:useLocalDpi xmlns:a14="http://schemas.microsoft.com/office/drawing/2010/main" val="0"/>
-              </a:ext>
-            </a:extLst>
-          </a:blip>
-          <a:srcRect/>
-          <a:stretch>
-            <a:fillRect/>
-          </a:stretch>
-        </p:blipFill>
-        <p:spPr bwMode="auto">
-          <a:xfrm>
-            <a:off x="11055972" y="5913967"/>
-            <a:ext cx="750794" cy="750794"/>
-          </a:xfrm>
-          <a:prstGeom prst="rect">
-            <a:avLst/>
-          </a:prstGeom>
-          <a:noFill/>
-          <a:extLst>
-            <a:ext uri="{909E8E84-426E-40DD-AFC4-6F175D3DCCD1}">
-              <a14:hiddenFill xmlns:a14="http://schemas.microsoft.com/office/drawing/2010/main">
-                <a:solidFill>
-                  <a:srgbClr val="FFFFFF"/>
-                </a:solidFill>
-              </a14:hiddenFill>
-            </a:ext>
-          </a:extLst>
-        </p:spPr>
-      </p:pic>
-    </p:spTree>
-    <p:extLst>
-      <p:ext uri="{BB962C8B-B14F-4D97-AF65-F5344CB8AC3E}">
-        <p14:creationId xmlns:p14="http://schemas.microsoft.com/office/powerpoint/2010/main" val="808223655"/>
-      </p:ext>
-    </p:extLst>
-  </p:cSld>
-  <p:clrMapOvr>
-    <a:masterClrMapping/>
-  </p:clrMapOvr>
-  <mc:AlternateContent xmlns:mc="http://schemas.openxmlformats.org/markup-compatibility/2006">
-    <mc:Choice xmlns:p159="http://schemas.microsoft.com/office/powerpoint/2015/09/main" Requires="p159">
-      <p:transition xmlns:p14="http://schemas.microsoft.com/office/powerpoint/2010/main" spd="slow" p14:dur="2000">
-        <p159:morph option="byObject"/>
-      </p:transition>
-    </mc:Choice>
-    <mc:Fallback>
-      <p:transition spd="slow">
-        <p:fade/>
-      </p:transition>
-    </mc:Fallback>
-  </mc:AlternateContent>
-</p:sld>
-</file>
-
-<file path=ppt/slides/slide25.xml><?xml version="1.0" encoding="utf-8"?>
-<p:sld xmlns:a="http://schemas.openxmlformats.org/drawingml/2006/main" xmlns:r="http://schemas.openxmlformats.org/officeDocument/2006/relationships" xmlns:p="http://schemas.openxmlformats.org/presentationml/2006/main">
-  <p:cSld>
-    <p:spTree>
-      <p:nvGrpSpPr>
-        <p:cNvPr id="1" name=""/>
-        <p:cNvGrpSpPr/>
-        <p:nvPr/>
-      </p:nvGrpSpPr>
-      <p:grpSpPr>
-        <a:xfrm>
-          <a:off x="0" y="0"/>
-          <a:ext cx="0" cy="0"/>
-          <a:chOff x="0" y="0"/>
-          <a:chExt cx="0" cy="0"/>
-        </a:xfrm>
-      </p:grpSpPr>
-      <p:sp>
-        <p:nvSpPr>
-          <p:cNvPr id="2" name="Title 1">
-            <a:extLst>
-              <a:ext uri="{FF2B5EF4-FFF2-40B4-BE49-F238E27FC236}">
-                <a16:creationId xmlns:a16="http://schemas.microsoft.com/office/drawing/2014/main" id="{026065E1-6731-274A-A930-F4C70132D269}"/>
-              </a:ext>
-            </a:extLst>
-          </p:cNvPr>
-          <p:cNvSpPr>
-            <a:spLocks noGrp="1"/>
-          </p:cNvSpPr>
-          <p:nvPr>
-            <p:ph type="title"/>
-          </p:nvPr>
-        </p:nvSpPr>
-        <p:spPr/>
-        <p:txBody>
-          <a:bodyPr/>
-          <a:lstStyle/>
-          <a:p>
-            <a:endParaRPr lang="en-US"/>
-          </a:p>
-        </p:txBody>
-      </p:sp>
-      <p:sp>
-        <p:nvSpPr>
-          <p:cNvPr id="3" name="Content Placeholder 2">
-            <a:extLst>
-              <a:ext uri="{FF2B5EF4-FFF2-40B4-BE49-F238E27FC236}">
-                <a16:creationId xmlns:a16="http://schemas.microsoft.com/office/drawing/2014/main" id="{28445BED-47E7-DD4C-83AE-97DBEBD7AD0F}"/>
-              </a:ext>
-            </a:extLst>
-          </p:cNvPr>
-          <p:cNvSpPr>
-            <a:spLocks noGrp="1"/>
-          </p:cNvSpPr>
-          <p:nvPr>
-            <p:ph idx="1"/>
-          </p:nvPr>
-        </p:nvSpPr>
-        <p:spPr/>
-        <p:txBody>
-          <a:bodyPr/>
-          <a:lstStyle/>
-          <a:p>
-            <a:endParaRPr lang="en-US"/>
-          </a:p>
-        </p:txBody>
-      </p:sp>
-    </p:spTree>
-    <p:extLst>
-      <p:ext uri="{BB962C8B-B14F-4D97-AF65-F5344CB8AC3E}">
-        <p14:creationId xmlns:p14="http://schemas.microsoft.com/office/powerpoint/2010/main" val="2249316600"/>
-      </p:ext>
-    </p:extLst>
-  </p:cSld>
-  <p:clrMapOvr>
-    <a:masterClrMapping/>
-  </p:clrMapOvr>
-  <mc:AlternateContent xmlns:mc="http://schemas.openxmlformats.org/markup-compatibility/2006">
-    <mc:Choice xmlns:p159="http://schemas.microsoft.com/office/powerpoint/2015/09/main" Requires="p159">
-      <p:transition xmlns:p14="http://schemas.microsoft.com/office/powerpoint/2010/main" spd="slow" p14:dur="2000">
-        <p159:morph option="byObject"/>
-      </p:transition>
-    </mc:Choice>
-    <mc:Fallback>
-      <p:transition spd="slow">
-        <p:fade/>
-      </p:transition>
-    </mc:Fallback>
-  </mc:AlternateContent>
-</p:sld>
-</file>
-
-<file path=ppt/slides/slide26.xml><?xml version="1.0" encoding="utf-8"?>
-<p:sld xmlns:a="http://schemas.openxmlformats.org/drawingml/2006/main" xmlns:r="http://schemas.openxmlformats.org/officeDocument/2006/relationships" xmlns:p="http://schemas.openxmlformats.org/presentationml/2006/main">
-  <p:cSld>
-    <p:bg>
-      <p:bgPr>
-        <a:solidFill>
-          <a:schemeClr val="bg1"/>
-        </a:solidFill>
-        <a:effectLst/>
-      </p:bgPr>
-    </p:bg>
-    <p:spTree>
-      <p:nvGrpSpPr>
-        <p:cNvPr id="1" name=""/>
-        <p:cNvGrpSpPr/>
-        <p:nvPr/>
-      </p:nvGrpSpPr>
-      <p:grpSpPr>
-        <a:xfrm>
-          <a:off x="0" y="0"/>
-          <a:ext cx="0" cy="0"/>
-          <a:chOff x="0" y="0"/>
-          <a:chExt cx="0" cy="0"/>
-        </a:xfrm>
-      </p:grpSpPr>
-      <p:pic>
-        <p:nvPicPr>
-          <p:cNvPr id="6" name="Graphic 5" descr="Fishing">
-            <a:extLst>
-              <a:ext uri="{FF2B5EF4-FFF2-40B4-BE49-F238E27FC236}">
-                <a16:creationId xmlns:a16="http://schemas.microsoft.com/office/drawing/2014/main" id="{F76A7EF9-2F12-744A-A78F-9A364E403A87}"/>
-              </a:ext>
-            </a:extLst>
-          </p:cNvPr>
-          <p:cNvPicPr>
-            <a:picLocks noChangeAspect="1"/>
-          </p:cNvPicPr>
-          <p:nvPr/>
-        </p:nvPicPr>
-        <p:blipFill>
-          <a:blip r:embed="rId2">
-            <a:extLst>
-              <a:ext uri="{96DAC541-7B7A-43D3-8B79-37D633B846F1}">
-                <asvg:svgBlip xmlns:asvg="http://schemas.microsoft.com/office/drawing/2016/SVG/main" r:embed="rId3"/>
-              </a:ext>
-            </a:extLst>
-          </a:blip>
-          <a:stretch>
-            <a:fillRect/>
-          </a:stretch>
-        </p:blipFill>
-        <p:spPr>
-          <a:xfrm>
-            <a:off x="5410200" y="1567572"/>
-            <a:ext cx="1371600" cy="1371600"/>
-          </a:xfrm>
-          <a:prstGeom prst="rect">
-            <a:avLst/>
-          </a:prstGeom>
-        </p:spPr>
-      </p:pic>
-      <p:pic>
-        <p:nvPicPr>
-          <p:cNvPr id="4" name="Picture 2" descr="https://lh4.googleusercontent.com/lW34VD0dGPRqCf8CKAd_MAGgR-9jzSkjhSHgb0aCy47syshjvUj0MqjXOYd6uvXNqL0lEKMtZinHQ7IFhjQQ2BaSOcNbPzHZkEPj11oa82SPtWGPple-hQSIW23hpIafxE44">
-            <a:extLst>
-              <a:ext uri="{FF2B5EF4-FFF2-40B4-BE49-F238E27FC236}">
-                <a16:creationId xmlns:a16="http://schemas.microsoft.com/office/drawing/2014/main" id="{7E12673A-28EC-7A4F-9227-99695DCA4FB1}"/>
-              </a:ext>
-            </a:extLst>
-          </p:cNvPr>
-          <p:cNvPicPr>
-            <a:picLocks noChangeAspect="1" noChangeArrowheads="1"/>
-          </p:cNvPicPr>
-          <p:nvPr/>
-        </p:nvPicPr>
-        <p:blipFill>
-          <a:blip r:embed="rId4">
-            <a:extLst>
-              <a:ext uri="{28A0092B-C50C-407E-A947-70E740481C1C}">
-                <a14:useLocalDpi xmlns:a14="http://schemas.microsoft.com/office/drawing/2010/main" val="0"/>
-              </a:ext>
-            </a:extLst>
-          </a:blip>
-          <a:srcRect/>
-          <a:stretch>
-            <a:fillRect/>
-          </a:stretch>
-        </p:blipFill>
-        <p:spPr bwMode="auto">
-          <a:xfrm>
-            <a:off x="11055972" y="5913967"/>
-            <a:ext cx="750794" cy="750794"/>
-          </a:xfrm>
-          <a:prstGeom prst="rect">
-            <a:avLst/>
-          </a:prstGeom>
-          <a:noFill/>
-          <a:extLst>
-            <a:ext uri="{909E8E84-426E-40DD-AFC4-6F175D3DCCD1}">
-              <a14:hiddenFill xmlns:a14="http://schemas.microsoft.com/office/drawing/2010/main">
-                <a:solidFill>
-                  <a:srgbClr val="FFFFFF"/>
-                </a:solidFill>
-              </a14:hiddenFill>
-            </a:ext>
-          </a:extLst>
-        </p:spPr>
-      </p:pic>
-      <p:sp>
-        <p:nvSpPr>
-          <p:cNvPr id="2" name="Title 1">
-            <a:extLst>
-              <a:ext uri="{FF2B5EF4-FFF2-40B4-BE49-F238E27FC236}">
-                <a16:creationId xmlns:a16="http://schemas.microsoft.com/office/drawing/2014/main" id="{54BFF03A-84F6-2A42-A9B8-1AD5A01E794B}"/>
-              </a:ext>
-            </a:extLst>
-          </p:cNvPr>
-          <p:cNvSpPr>
-            <a:spLocks noGrp="1"/>
-          </p:cNvSpPr>
-          <p:nvPr>
-            <p:ph type="title"/>
-          </p:nvPr>
-        </p:nvSpPr>
-        <p:spPr>
-          <a:xfrm>
-            <a:off x="2679032" y="2939172"/>
-            <a:ext cx="6833936" cy="979656"/>
-          </a:xfrm>
-        </p:spPr>
-        <p:txBody>
-          <a:bodyPr anchor="ctr">
-            <a:normAutofit/>
-          </a:bodyPr>
-          <a:lstStyle/>
-          <a:p>
-            <a:pPr algn="ctr"/>
-            <a:r>
-              <a:rPr lang="en-US" spc="600" dirty="0">
-                <a:solidFill>
-                  <a:schemeClr val="accent2"/>
-                </a:solidFill>
-              </a:rPr>
-              <a:t>Sources</a:t>
-            </a:r>
-          </a:p>
-        </p:txBody>
-      </p:sp>
-      <p:sp>
-        <p:nvSpPr>
-          <p:cNvPr id="3" name="Content Placeholder 2">
-            <a:extLst>
-              <a:ext uri="{FF2B5EF4-FFF2-40B4-BE49-F238E27FC236}">
-                <a16:creationId xmlns:a16="http://schemas.microsoft.com/office/drawing/2014/main" id="{7A033DC9-2CE7-164C-8392-172DC161EF87}"/>
-              </a:ext>
-            </a:extLst>
-          </p:cNvPr>
-          <p:cNvSpPr>
-            <a:spLocks noGrp="1"/>
-          </p:cNvSpPr>
-          <p:nvPr>
-            <p:ph idx="1"/>
-          </p:nvPr>
-        </p:nvSpPr>
-        <p:spPr>
-          <a:xfrm>
-            <a:off x="2679032" y="4079695"/>
-            <a:ext cx="6833936" cy="2097266"/>
-          </a:xfrm>
-        </p:spPr>
-        <p:txBody>
-          <a:bodyPr anchor="t">
-            <a:normAutofit/>
-          </a:bodyPr>
-          <a:lstStyle/>
-          <a:p>
-            <a:pPr algn="ctr"/>
-            <a:r>
-              <a:rPr lang="en-US" sz="1800" dirty="0">
-                <a:hlinkClick r:id="rId5"/>
-              </a:rPr>
-              <a:t>https://simon.html5.org/html-elements</a:t>
-            </a:r>
-            <a:endParaRPr lang="en-US" sz="1800" dirty="0"/>
-          </a:p>
-          <a:p>
-            <a:pPr algn="ctr"/>
-            <a:r>
-              <a:rPr lang="en-US" sz="1800" dirty="0">
-                <a:hlinkClick r:id="rId6"/>
-              </a:rPr>
-              <a:t>https://www.alsacreations.com/tuto/liste/1-html.html</a:t>
-            </a:r>
-            <a:r>
-              <a:rPr lang="en-US" sz="1800" dirty="0"/>
-              <a:t> </a:t>
-            </a:r>
-          </a:p>
-          <a:p>
-            <a:pPr algn="ctr"/>
-            <a:r>
-              <a:rPr lang="en-US" sz="1800" dirty="0">
-                <a:hlinkClick r:id="rId7"/>
-              </a:rPr>
-              <a:t>https://htmlreference.io/</a:t>
-            </a:r>
-            <a:endParaRPr lang="en-US" sz="1800" dirty="0"/>
-          </a:p>
-          <a:p>
-            <a:pPr algn="ctr"/>
-            <a:r>
-              <a:rPr lang="en-US" sz="1800" dirty="0">
-                <a:hlinkClick r:id="rId8"/>
-              </a:rPr>
-              <a:t>http://www.wufai.edu.tw/%E7%B6%B2%E9%A0%81%E6%8A%80%E8%A1%93%E4%B8%AD%E5%BF%83/datasheet/HTML%20and%20CSS%20design%20and%20build%20websites.pdf</a:t>
-            </a:r>
-            <a:endParaRPr lang="en-US" sz="1800" dirty="0"/>
-          </a:p>
-          <a:p>
-            <a:pPr algn="ctr"/>
-            <a:endParaRPr lang="en-US" sz="1800" dirty="0"/>
-          </a:p>
-          <a:p>
-            <a:pPr algn="ctr"/>
-            <a:endParaRPr lang="en-US" sz="1800" dirty="0"/>
-          </a:p>
-        </p:txBody>
-      </p:sp>
-    </p:spTree>
-    <p:extLst>
-      <p:ext uri="{BB962C8B-B14F-4D97-AF65-F5344CB8AC3E}">
-        <p14:creationId xmlns:p14="http://schemas.microsoft.com/office/powerpoint/2010/main" val="3901044665"/>
-      </p:ext>
-    </p:extLst>
-  </p:cSld>
-  <p:clrMapOvr>
-    <a:masterClrMapping/>
-  </p:clrMapOvr>
-  <mc:AlternateContent xmlns:mc="http://schemas.openxmlformats.org/markup-compatibility/2006">
-    <mc:Choice xmlns:p159="http://schemas.microsoft.com/office/powerpoint/2015/09/main" Requires="p159">
-      <p:transition xmlns:p14="http://schemas.microsoft.com/office/powerpoint/2010/main" spd="slow" p14:dur="2000">
-        <p159:morph option="byObject"/>
-      </p:transition>
-    </mc:Choice>
-    <mc:Fallback>
+    <mc:Fallback xmlns="">
       <p:transition spd="slow">
         <p:fade/>
       </p:transition>
@@ -12266,13 +11543,13 @@
   <p:clrMapOvr>
     <a:masterClrMapping/>
   </p:clrMapOvr>
-  <mc:AlternateContent xmlns:mc="http://schemas.openxmlformats.org/markup-compatibility/2006">
-    <mc:Choice xmlns:p159="http://schemas.microsoft.com/office/powerpoint/2015/09/main" Requires="p159">
+  <mc:AlternateContent xmlns:mc="http://schemas.openxmlformats.org/markup-compatibility/2006" xmlns:p159="http://schemas.microsoft.com/office/powerpoint/2015/09/main">
+    <mc:Choice Requires="p159">
       <p:transition xmlns:p14="http://schemas.microsoft.com/office/powerpoint/2010/main" spd="slow" p14:dur="2000">
         <p159:morph option="byObject"/>
       </p:transition>
     </mc:Choice>
-    <mc:Fallback>
+    <mc:Fallback xmlns="">
       <p:transition spd="slow">
         <p:fade/>
       </p:transition>
@@ -13536,13 +12813,13 @@
   <p:clrMapOvr>
     <a:masterClrMapping/>
   </p:clrMapOvr>
-  <mc:AlternateContent xmlns:mc="http://schemas.openxmlformats.org/markup-compatibility/2006">
-    <mc:Choice xmlns:p159="http://schemas.microsoft.com/office/powerpoint/2015/09/main" Requires="p159">
+  <mc:AlternateContent xmlns:mc="http://schemas.openxmlformats.org/markup-compatibility/2006" xmlns:p159="http://schemas.microsoft.com/office/powerpoint/2015/09/main">
+    <mc:Choice Requires="p159">
       <p:transition xmlns:p14="http://schemas.microsoft.com/office/powerpoint/2010/main" spd="slow" p14:dur="2000">
         <p159:morph option="byObject"/>
       </p:transition>
     </mc:Choice>
-    <mc:Fallback>
+    <mc:Fallback xmlns="">
       <p:transition spd="slow">
         <p:fade/>
       </p:transition>
@@ -14908,13 +14185,13 @@
   <p:clrMapOvr>
     <a:masterClrMapping/>
   </p:clrMapOvr>
-  <mc:AlternateContent xmlns:mc="http://schemas.openxmlformats.org/markup-compatibility/2006">
-    <mc:Choice xmlns:p159="http://schemas.microsoft.com/office/powerpoint/2015/09/main" Requires="p159">
+  <mc:AlternateContent xmlns:mc="http://schemas.openxmlformats.org/markup-compatibility/2006" xmlns:p159="http://schemas.microsoft.com/office/powerpoint/2015/09/main">
+    <mc:Choice Requires="p159">
       <p:transition xmlns:p14="http://schemas.microsoft.com/office/powerpoint/2010/main" spd="slow" p14:dur="2000">
         <p159:morph option="byObject"/>
       </p:transition>
     </mc:Choice>
-    <mc:Fallback>
+    <mc:Fallback xmlns="">
       <p:transition spd="slow">
         <p:fade/>
       </p:transition>
@@ -15511,13 +14788,13 @@
   <p:clrMapOvr>
     <a:masterClrMapping/>
   </p:clrMapOvr>
-  <mc:AlternateContent xmlns:mc="http://schemas.openxmlformats.org/markup-compatibility/2006">
-    <mc:Choice xmlns:p159="http://schemas.microsoft.com/office/powerpoint/2015/09/main" Requires="p159">
+  <mc:AlternateContent xmlns:mc="http://schemas.openxmlformats.org/markup-compatibility/2006" xmlns:p159="http://schemas.microsoft.com/office/powerpoint/2015/09/main">
+    <mc:Choice Requires="p159">
       <p:transition xmlns:p14="http://schemas.microsoft.com/office/powerpoint/2010/main" spd="slow" p14:dur="2000">
         <p159:morph option="byObject"/>
       </p:transition>
     </mc:Choice>
-    <mc:Fallback>
+    <mc:Fallback xmlns="">
       <p:transition spd="slow">
         <p:fade/>
       </p:transition>
@@ -15833,13 +15110,13 @@
   <p:clrMapOvr>
     <a:masterClrMapping/>
   </p:clrMapOvr>
-  <mc:AlternateContent xmlns:mc="http://schemas.openxmlformats.org/markup-compatibility/2006">
-    <mc:Choice xmlns:p159="http://schemas.microsoft.com/office/powerpoint/2015/09/main" Requires="p159">
+  <mc:AlternateContent xmlns:mc="http://schemas.openxmlformats.org/markup-compatibility/2006" xmlns:p159="http://schemas.microsoft.com/office/powerpoint/2015/09/main">
+    <mc:Choice Requires="p159">
       <p:transition xmlns:p14="http://schemas.microsoft.com/office/powerpoint/2010/main" spd="slow" p14:dur="2000">
         <p159:morph option="byObject"/>
       </p:transition>
     </mc:Choice>
-    <mc:Fallback>
+    <mc:Fallback xmlns="">
       <p:transition spd="slow">
         <p:fade/>
       </p:transition>
@@ -15851,6 +15128,14 @@
 <file path=ppt/slides/slide8.xml><?xml version="1.0" encoding="utf-8"?>
 <p:sld xmlns:a="http://schemas.openxmlformats.org/drawingml/2006/main" xmlns:r="http://schemas.openxmlformats.org/officeDocument/2006/relationships" xmlns:p="http://schemas.openxmlformats.org/presentationml/2006/main">
   <p:cSld>
+    <p:bg>
+      <p:bgPr>
+        <a:solidFill>
+          <a:schemeClr val="bg1"/>
+        </a:solidFill>
+        <a:effectLst/>
+      </p:bgPr>
+    </p:bg>
     <p:spTree>
       <p:nvGrpSpPr>
         <p:cNvPr id="1" name=""/>
@@ -15867,79 +15152,145 @@
       </p:grpSpPr>
       <p:sp>
         <p:nvSpPr>
-          <p:cNvPr id="2" name="Title 1">
-            <a:extLst>
-              <a:ext uri="{FF2B5EF4-FFF2-40B4-BE49-F238E27FC236}">
-                <a16:creationId xmlns:a16="http://schemas.microsoft.com/office/drawing/2014/main" id="{66568B1A-B265-5A43-ADF4-C58B12F2662E}"/>
+          <p:cNvPr id="16" name="Rectangle 15">
+            <a:extLst>
+              <a:ext uri="{FF2B5EF4-FFF2-40B4-BE49-F238E27FC236}">
+                <a16:creationId xmlns:a16="http://schemas.microsoft.com/office/drawing/2014/main" id="{E02F3C71-C981-4614-98EA-D6C494F8091E}"/>
+              </a:ext>
+              <a:ext uri="{C183D7F6-B498-43B3-948B-1728B52AA6E4}">
+                <adec:decorative xmlns:adec="http://schemas.microsoft.com/office/drawing/2017/decorative" val="1"/>
               </a:ext>
             </a:extLst>
           </p:cNvPr>
           <p:cNvSpPr>
-            <a:spLocks noGrp="1"/>
+            <a:spLocks noGrp="1" noRot="1" noChangeAspect="1" noMove="1" noResize="1" noEditPoints="1" noAdjustHandles="1" noChangeArrowheads="1" noChangeShapeType="1" noTextEdit="1"/>
           </p:cNvSpPr>
           <p:nvPr>
-            <p:ph type="title"/>
+            <p:extLst>
+              <p:ext uri="{386F3935-93C4-4BCD-93E2-E3B085C9AB24}">
+                <p16:designElem xmlns:p16="http://schemas.microsoft.com/office/powerpoint/2015/main" val="1"/>
+              </p:ext>
+            </p:extLst>
           </p:nvPr>
         </p:nvSpPr>
+        <p:spPr bwMode="ltGray">
+          <a:xfrm>
+            <a:off x="336883" y="321176"/>
+            <a:ext cx="7174247" cy="5896743"/>
+          </a:xfrm>
+          <a:prstGeom prst="rect">
+            <a:avLst/>
+          </a:prstGeom>
+          <a:solidFill>
+            <a:schemeClr val="tx1">
+              <a:alpha val="15000"/>
+            </a:schemeClr>
+          </a:solidFill>
+          <a:ln w="127000" cap="sq" cmpd="thinThick">
+            <a:solidFill>
+              <a:schemeClr val="tx1">
+                <a:alpha val="10000"/>
+              </a:schemeClr>
+            </a:solidFill>
+          </a:ln>
+        </p:spPr>
+        <p:style>
+          <a:lnRef idx="2">
+            <a:schemeClr val="accent1">
+              <a:shade val="50000"/>
+            </a:schemeClr>
+          </a:lnRef>
+          <a:fillRef idx="1">
+            <a:schemeClr val="accent1"/>
+          </a:fillRef>
+          <a:effectRef idx="0">
+            <a:schemeClr val="accent1"/>
+          </a:effectRef>
+          <a:fontRef idx="minor">
+            <a:schemeClr val="lt1"/>
+          </a:fontRef>
+        </p:style>
+        <p:txBody>
+          <a:bodyPr rtlCol="0" anchor="ctr"/>
+          <a:lstStyle/>
+          <a:p>
+            <a:pPr algn="ctr"/>
+            <a:endParaRPr lang="en-US"/>
+          </a:p>
+        </p:txBody>
+      </p:sp>
+      <p:pic>
+        <p:nvPicPr>
+          <p:cNvPr id="6" name="Graphic 5" descr="Hierarchy">
+            <a:extLst>
+              <a:ext uri="{FF2B5EF4-FFF2-40B4-BE49-F238E27FC236}">
+                <a16:creationId xmlns:a16="http://schemas.microsoft.com/office/drawing/2014/main" id="{8E46DF94-702C-A743-8F44-9D0B8A4E0BDC}"/>
+              </a:ext>
+            </a:extLst>
+          </p:cNvPr>
+          <p:cNvPicPr>
+            <a:picLocks noChangeAspect="1"/>
+          </p:cNvPicPr>
+          <p:nvPr/>
+        </p:nvPicPr>
+        <p:blipFill>
+          <a:blip r:embed="rId2">
+            <a:extLst>
+              <a:ext uri="{96DAC541-7B7A-43D3-8B79-37D633B846F1}">
+                <asvg:svgBlip xmlns:asvg="http://schemas.microsoft.com/office/drawing/2016/SVG/main" r:embed="rId3"/>
+              </a:ext>
+            </a:extLst>
+          </a:blip>
+          <a:stretch>
+            <a:fillRect/>
+          </a:stretch>
+        </p:blipFill>
         <p:spPr>
           <a:xfrm>
-            <a:off x="474133" y="365125"/>
-            <a:ext cx="10244667" cy="1325563"/>
+            <a:off x="8707755" y="306909"/>
+            <a:ext cx="2286000" cy="2286000"/>
           </a:xfrm>
-          <a:solidFill>
-            <a:schemeClr val="bg2"/>
-          </a:solidFill>
+          <a:prstGeom prst="rect">
+            <a:avLst/>
+          </a:prstGeom>
         </p:spPr>
-        <p:txBody>
-          <a:bodyPr>
-            <a:normAutofit/>
-          </a:bodyPr>
-          <a:lstStyle/>
-          <a:p>
-            <a:pPr algn="ctr"/>
-            <a:r>
-              <a:rPr lang="en-US" sz="3600" spc="600" dirty="0" err="1">
-                <a:solidFill>
-                  <a:schemeClr val="accent2"/>
-                </a:solidFill>
-                <a:latin typeface="Courier New" panose="02070309020205020404" pitchFamily="49" charset="0"/>
-                <a:cs typeface="Courier New" panose="02070309020205020404" pitchFamily="49" charset="0"/>
-              </a:rPr>
-              <a:t>Rendre</a:t>
-            </a:r>
-            <a:r>
-              <a:rPr lang="en-US" sz="3600" spc="600" dirty="0">
-                <a:solidFill>
-                  <a:schemeClr val="accent2"/>
-                </a:solidFill>
-                <a:latin typeface="Courier New" panose="02070309020205020404" pitchFamily="49" charset="0"/>
-                <a:cs typeface="Courier New" panose="02070309020205020404" pitchFamily="49" charset="0"/>
-              </a:rPr>
-              <a:t> son HTML </a:t>
-            </a:r>
-            <a:r>
-              <a:rPr lang="en-US" sz="4000" spc="600" dirty="0">
-                <a:solidFill>
-                  <a:schemeClr val="accent2"/>
-                </a:solidFill>
-                <a:latin typeface="Courier New" panose="02070309020205020404" pitchFamily="49" charset="0"/>
-                <a:cs typeface="Courier New" panose="02070309020205020404" pitchFamily="49" charset="0"/>
-              </a:rPr>
-              <a:t>plus</a:t>
-            </a:r>
-            <a:r>
-              <a:rPr lang="en-US" sz="3600" spc="600" dirty="0">
-                <a:solidFill>
-                  <a:schemeClr val="accent2"/>
-                </a:solidFill>
-                <a:latin typeface="Courier New" panose="02070309020205020404" pitchFamily="49" charset="0"/>
-                <a:cs typeface="Courier New" panose="02070309020205020404" pitchFamily="49" charset="0"/>
-              </a:rPr>
-              <a:t> Performant</a:t>
-            </a:r>
-          </a:p>
-        </p:txBody>
-      </p:sp>
+      </p:pic>
+      <p:pic>
+        <p:nvPicPr>
+          <p:cNvPr id="11" name="Graphic 10" descr="Needle">
+            <a:extLst>
+              <a:ext uri="{FF2B5EF4-FFF2-40B4-BE49-F238E27FC236}">
+                <a16:creationId xmlns:a16="http://schemas.microsoft.com/office/drawing/2014/main" id="{90A27BE7-465F-2648-8088-EF664734201B}"/>
+              </a:ext>
+            </a:extLst>
+          </p:cNvPr>
+          <p:cNvPicPr>
+            <a:picLocks noChangeAspect="1"/>
+          </p:cNvPicPr>
+          <p:nvPr/>
+        </p:nvPicPr>
+        <p:blipFill>
+          <a:blip r:embed="rId4">
+            <a:extLst>
+              <a:ext uri="{96DAC541-7B7A-43D3-8B79-37D633B846F1}">
+                <asvg:svgBlip xmlns:asvg="http://schemas.microsoft.com/office/drawing/2016/SVG/main" r:embed="rId5"/>
+              </a:ext>
+            </a:extLst>
+          </a:blip>
+          <a:stretch>
+            <a:fillRect/>
+          </a:stretch>
+        </p:blipFill>
+        <p:spPr>
+          <a:xfrm>
+            <a:off x="8442579" y="3097616"/>
+            <a:ext cx="2816351" cy="2816351"/>
+          </a:xfrm>
+          <a:prstGeom prst="rect">
+            <a:avLst/>
+          </a:prstGeom>
+        </p:spPr>
+      </p:pic>
       <p:pic>
         <p:nvPicPr>
           <p:cNvPr id="4" name="Picture 2" descr="https://lh4.googleusercontent.com/lW34VD0dGPRqCf8CKAd_MAGgR-9jzSkjhSHgb0aCy47syshjvUj0MqjXOYd6uvXNqL0lEKMtZinHQ7IFhjQQ2BaSOcNbPzHZkEPj11oa82SPtWGPple-hQSIW23hpIafxE44">
@@ -15955,7 +15306,7 @@
           <p:nvPr/>
         </p:nvPicPr>
         <p:blipFill>
-          <a:blip r:embed="rId2">
+          <a:blip r:embed="rId6">
             <a:extLst>
               <a:ext uri="{28A0092B-C50C-407E-A947-70E740481C1C}">
                 <a14:useLocalDpi xmlns:a14="http://schemas.microsoft.com/office/drawing/2010/main" val="0"/>
@@ -15989,6 +15340,57 @@
       </p:pic>
       <p:sp>
         <p:nvSpPr>
+          <p:cNvPr id="2" name="Title 1">
+            <a:extLst>
+              <a:ext uri="{FF2B5EF4-FFF2-40B4-BE49-F238E27FC236}">
+                <a16:creationId xmlns:a16="http://schemas.microsoft.com/office/drawing/2014/main" id="{66568B1A-B265-5A43-ADF4-C58B12F2662E}"/>
+              </a:ext>
+            </a:extLst>
+          </p:cNvPr>
+          <p:cNvSpPr>
+            <a:spLocks noGrp="1"/>
+          </p:cNvSpPr>
+          <p:nvPr>
+            <p:ph type="title"/>
+          </p:nvPr>
+        </p:nvSpPr>
+        <p:spPr>
+          <a:xfrm>
+            <a:off x="821516" y="640263"/>
+            <a:ext cx="6204984" cy="1344975"/>
+          </a:xfrm>
+        </p:spPr>
+        <p:txBody>
+          <a:bodyPr>
+            <a:normAutofit/>
+          </a:bodyPr>
+          <a:lstStyle/>
+          <a:p>
+            <a:r>
+              <a:rPr lang="en-US" sz="2800" spc="600" dirty="0" err="1">
+                <a:solidFill>
+                  <a:srgbClr val="DE621B"/>
+                </a:solidFill>
+                <a:latin typeface="Courier New" panose="02070309020205020404" pitchFamily="49" charset="0"/>
+                <a:cs typeface="Courier New" panose="02070309020205020404" pitchFamily="49" charset="0"/>
+              </a:rPr>
+              <a:t>Rendre</a:t>
+            </a:r>
+            <a:r>
+              <a:rPr lang="en-US" sz="2800" spc="600" dirty="0">
+                <a:solidFill>
+                  <a:srgbClr val="DE621B"/>
+                </a:solidFill>
+                <a:latin typeface="Courier New" panose="02070309020205020404" pitchFamily="49" charset="0"/>
+                <a:cs typeface="Courier New" panose="02070309020205020404" pitchFamily="49" charset="0"/>
+              </a:rPr>
+              <a:t> son HTML plus structure/performant</a:t>
+            </a:r>
+          </a:p>
+        </p:txBody>
+      </p:sp>
+      <p:sp>
+        <p:nvSpPr>
           <p:cNvPr id="8" name="Content Placeholder 7">
             <a:extLst>
               <a:ext uri="{FF2B5EF4-FFF2-40B4-BE49-F238E27FC236}">
@@ -16005,16 +15407,18 @@
         </p:nvSpPr>
         <p:spPr>
           <a:xfrm>
-            <a:off x="474133" y="1825625"/>
-            <a:ext cx="10879667" cy="4351338"/>
+            <a:off x="821515" y="2121762"/>
+            <a:ext cx="6204984" cy="3626917"/>
           </a:xfrm>
         </p:spPr>
         <p:txBody>
-          <a:bodyPr/>
+          <a:bodyPr>
+            <a:normAutofit/>
+          </a:bodyPr>
           <a:lstStyle/>
           <a:p>
             <a:r>
-              <a:rPr lang="en-US" dirty="0">
+              <a:rPr lang="en-US" sz="2400" dirty="0">
                 <a:latin typeface="+mj-lt"/>
               </a:rPr>
               <a:t>Inline/block</a:t>
@@ -16022,7 +15426,7 @@
           </a:p>
           <a:p>
             <a:r>
-              <a:rPr lang="en-US" dirty="0">
+              <a:rPr lang="en-US" sz="2400" dirty="0">
                 <a:latin typeface="+mj-lt"/>
               </a:rPr>
               <a:t>Images</a:t>
@@ -16030,7 +15434,7 @@
           </a:p>
           <a:p>
             <a:r>
-              <a:rPr lang="en-US" dirty="0">
+              <a:rPr lang="en-US" sz="2400" dirty="0">
                 <a:latin typeface="+mj-lt"/>
               </a:rPr>
               <a:t>Id / Class</a:t>
@@ -16038,7 +15442,7 @@
           </a:p>
           <a:p>
             <a:r>
-              <a:rPr lang="en-US" dirty="0">
+              <a:rPr lang="en-US" sz="2400" dirty="0">
                 <a:latin typeface="+mj-lt"/>
               </a:rPr>
               <a:t>STRONG, B, I, EM</a:t>
@@ -16046,76 +15450,48 @@
           </a:p>
           <a:p>
             <a:r>
-              <a:rPr lang="en-US" dirty="0" err="1">
+              <a:rPr lang="en-US" sz="2400" dirty="0" err="1">
                 <a:latin typeface="+mj-lt"/>
               </a:rPr>
               <a:t>Hiérarchie</a:t>
             </a:r>
             <a:r>
-              <a:rPr lang="en-US" dirty="0">
+              <a:rPr lang="en-US" sz="2400" dirty="0">
                 <a:latin typeface="+mj-lt"/>
               </a:rPr>
               <a:t> de </a:t>
             </a:r>
             <a:r>
-              <a:rPr lang="en-US" dirty="0" err="1">
+              <a:rPr lang="en-US" sz="2400" dirty="0" err="1">
                 <a:latin typeface="+mj-lt"/>
               </a:rPr>
               <a:t>titres</a:t>
             </a:r>
-            <a:endParaRPr lang="en-US" dirty="0">
+            <a:endParaRPr lang="en-US" sz="2400" dirty="0">
               <a:latin typeface="+mj-lt"/>
             </a:endParaRPr>
           </a:p>
           <a:p>
             <a:r>
-              <a:rPr lang="en-US" dirty="0">
+              <a:rPr lang="en-US" sz="2400" dirty="0">
+                <a:latin typeface="+mj-lt"/>
+              </a:rPr>
+              <a:t>Meta</a:t>
+            </a:r>
+          </a:p>
+          <a:p>
+            <a:r>
+              <a:rPr lang="en-US" sz="2400" dirty="0">
                 <a:latin typeface="+mj-lt"/>
               </a:rPr>
               <a:t>Videos &amp; audios</a:t>
             </a:r>
           </a:p>
           <a:p>
-            <a:endParaRPr lang="en-US" dirty="0"/>
+            <a:endParaRPr lang="en-US" sz="2400" dirty="0"/>
           </a:p>
         </p:txBody>
       </p:sp>
-      <p:pic>
-        <p:nvPicPr>
-          <p:cNvPr id="11" name="Graphic 10" descr="Needle">
-            <a:extLst>
-              <a:ext uri="{FF2B5EF4-FFF2-40B4-BE49-F238E27FC236}">
-                <a16:creationId xmlns:a16="http://schemas.microsoft.com/office/drawing/2014/main" id="{90A27BE7-465F-2648-8088-EF664734201B}"/>
-              </a:ext>
-            </a:extLst>
-          </p:cNvPr>
-          <p:cNvPicPr>
-            <a:picLocks noChangeAspect="1"/>
-          </p:cNvPicPr>
-          <p:nvPr/>
-        </p:nvPicPr>
-        <p:blipFill>
-          <a:blip r:embed="rId3">
-            <a:extLst>
-              <a:ext uri="{96DAC541-7B7A-43D3-8B79-37D633B846F1}">
-                <asvg:svgBlip xmlns:asvg="http://schemas.microsoft.com/office/drawing/2016/SVG/main" r:embed="rId4"/>
-              </a:ext>
-            </a:extLst>
-          </a:blip>
-          <a:stretch>
-            <a:fillRect/>
-          </a:stretch>
-        </p:blipFill>
-        <p:spPr>
-          <a:xfrm>
-            <a:off x="10974169" y="570706"/>
-            <a:ext cx="914400" cy="914400"/>
-          </a:xfrm>
-          <a:prstGeom prst="rect">
-            <a:avLst/>
-          </a:prstGeom>
-        </p:spPr>
-      </p:pic>
     </p:spTree>
     <p:extLst>
       <p:ext uri="{BB962C8B-B14F-4D97-AF65-F5344CB8AC3E}">
@@ -16126,13 +15502,13 @@
   <p:clrMapOvr>
     <a:masterClrMapping/>
   </p:clrMapOvr>
-  <mc:AlternateContent xmlns:mc="http://schemas.openxmlformats.org/markup-compatibility/2006">
-    <mc:Choice xmlns:p159="http://schemas.microsoft.com/office/powerpoint/2015/09/main" Requires="p159">
+  <mc:AlternateContent xmlns:mc="http://schemas.openxmlformats.org/markup-compatibility/2006" xmlns:p159="http://schemas.microsoft.com/office/powerpoint/2015/09/main">
+    <mc:Choice Requires="p159">
       <p:transition xmlns:p14="http://schemas.microsoft.com/office/powerpoint/2010/main" spd="slow" p14:dur="2000">
         <p159:morph option="byObject"/>
       </p:transition>
     </mc:Choice>
-    <mc:Fallback>
+    <mc:Fallback xmlns="">
       <p:transition spd="slow">
         <p:fade/>
       </p:transition>
@@ -16706,13 +16082,13 @@
   <p:clrMapOvr>
     <a:masterClrMapping/>
   </p:clrMapOvr>
-  <mc:AlternateContent xmlns:mc="http://schemas.openxmlformats.org/markup-compatibility/2006">
-    <mc:Choice xmlns:p159="http://schemas.microsoft.com/office/powerpoint/2015/09/main" Requires="p159">
+  <mc:AlternateContent xmlns:mc="http://schemas.openxmlformats.org/markup-compatibility/2006" xmlns:p159="http://schemas.microsoft.com/office/powerpoint/2015/09/main">
+    <mc:Choice Requires="p159">
       <p:transition xmlns:p14="http://schemas.microsoft.com/office/powerpoint/2010/main" spd="slow" p14:dur="2000">
         <p159:morph option="byObject"/>
       </p:transition>
     </mc:Choice>
-    <mc:Fallback>
+    <mc:Fallback xmlns="">
       <p:transition spd="slow">
         <p:fade/>
       </p:transition>

--- a/Matériel/Workshop - HTML.pptx
+++ b/Matériel/Workshop - HTML.pptx
@@ -10437,13 +10437,21 @@
             </a:r>
             <a:r>
               <a:rPr lang="en-US" sz="2400" dirty="0"/>
-              <a:t> son HTML plus structure/performant</a:t>
-            </a:r>
-          </a:p>
-          <a:p>
+              <a:t> son HTML plus </a:t>
+            </a:r>
             <a:r>
               <a:rPr lang="en-US" sz="2400" dirty="0" err="1"/>
-              <a:t>Excercices</a:t>
+              <a:t>structuré</a:t>
+            </a:r>
+            <a:r>
+              <a:rPr lang="en-US" sz="2400" dirty="0"/>
+              <a:t>/performant</a:t>
+            </a:r>
+          </a:p>
+          <a:p>
+            <a:r>
+              <a:rPr lang="en-US" sz="2400" dirty="0" err="1"/>
+              <a:t>Exercices</a:t>
             </a:r>
             <a:r>
               <a:rPr lang="en-US" sz="2400" dirty="0"/>
@@ -14136,15 +14144,24 @@
               <a:buChar char="•"/>
             </a:pPr>
             <a:r>
-              <a:rPr lang="en-US" dirty="0"/>
+              <a:rPr lang="en-US" dirty="0">
+                <a:latin typeface="Courier New" panose="02070309020205020404" pitchFamily="49" charset="0"/>
+                <a:cs typeface="Courier New" panose="02070309020205020404" pitchFamily="49" charset="0"/>
+              </a:rPr>
               <a:t>&lt;</a:t>
             </a:r>
             <a:r>
-              <a:rPr lang="en-US" dirty="0" err="1"/>
+              <a:rPr lang="en-US" dirty="0" err="1">
+                <a:latin typeface="Courier New" panose="02070309020205020404" pitchFamily="49" charset="0"/>
+                <a:cs typeface="Courier New" panose="02070309020205020404" pitchFamily="49" charset="0"/>
+              </a:rPr>
               <a:t>hgroup</a:t>
             </a:r>
             <a:r>
-              <a:rPr lang="en-US" dirty="0"/>
+              <a:rPr lang="en-US" dirty="0">
+                <a:latin typeface="Courier New" panose="02070309020205020404" pitchFamily="49" charset="0"/>
+                <a:cs typeface="Courier New" panose="02070309020205020404" pitchFamily="49" charset="0"/>
+              </a:rPr>
               <a:t>&gt;</a:t>
             </a:r>
           </a:p>
@@ -14154,15 +14171,24 @@
               <a:buChar char="•"/>
             </a:pPr>
             <a:r>
-              <a:rPr lang="en-US" dirty="0"/>
+              <a:rPr lang="en-US" dirty="0">
+                <a:latin typeface="Courier New" panose="02070309020205020404" pitchFamily="49" charset="0"/>
+                <a:cs typeface="Courier New" panose="02070309020205020404" pitchFamily="49" charset="0"/>
+              </a:rPr>
               <a:t>&lt;figure&gt; &amp; &lt;</a:t>
             </a:r>
             <a:r>
-              <a:rPr lang="en-US" dirty="0" err="1"/>
+              <a:rPr lang="en-US" dirty="0" err="1">
+                <a:latin typeface="Courier New" panose="02070309020205020404" pitchFamily="49" charset="0"/>
+                <a:cs typeface="Courier New" panose="02070309020205020404" pitchFamily="49" charset="0"/>
+              </a:rPr>
               <a:t>figcaption</a:t>
             </a:r>
             <a:r>
-              <a:rPr lang="en-US" dirty="0"/>
+              <a:rPr lang="en-US" dirty="0">
+                <a:latin typeface="Courier New" panose="02070309020205020404" pitchFamily="49" charset="0"/>
+                <a:cs typeface="Courier New" panose="02070309020205020404" pitchFamily="49" charset="0"/>
+              </a:rPr>
               <a:t>&gt;</a:t>
             </a:r>
           </a:p>
